--- a/Grischenko_VKR.pptx
+++ b/Grischenko_VKR.pptx
@@ -5,7 +5,7 @@
     <p:sldMasterId id="2147483648" r:id="rId1"/>
   </p:sldMasterIdLst>
   <p:notesMasterIdLst>
-    <p:notesMasterId r:id="rId16"/>
+    <p:notesMasterId r:id="rId19"/>
   </p:notesMasterIdLst>
   <p:sldIdLst>
     <p:sldId id="256" r:id="rId2"/>
@@ -19,33 +19,36 @@
     <p:sldId id="277" r:id="rId10"/>
     <p:sldId id="278" r:id="rId11"/>
     <p:sldId id="279" r:id="rId12"/>
-    <p:sldId id="280" r:id="rId13"/>
-    <p:sldId id="273" r:id="rId14"/>
-    <p:sldId id="274" r:id="rId15"/>
+    <p:sldId id="281" r:id="rId13"/>
+    <p:sldId id="282" r:id="rId14"/>
+    <p:sldId id="283" r:id="rId15"/>
+    <p:sldId id="280" r:id="rId16"/>
+    <p:sldId id="273" r:id="rId17"/>
+    <p:sldId id="274" r:id="rId18"/>
   </p:sldIdLst>
   <p:sldSz cx="9144000" cy="6858000" type="screen4x3"/>
   <p:notesSz cx="6858000" cy="9144000"/>
   <p:embeddedFontLst>
     <p:embeddedFont>
       <p:font typeface="Calibri" panose="020F0502020204030204" pitchFamily="34" charset="0"/>
-      <p:regular r:id="rId17"/>
-      <p:bold r:id="rId18"/>
-      <p:italic r:id="rId19"/>
-      <p:boldItalic r:id="rId20"/>
+      <p:regular r:id="rId20"/>
+      <p:bold r:id="rId21"/>
+      <p:italic r:id="rId22"/>
+      <p:boldItalic r:id="rId23"/>
     </p:embeddedFont>
     <p:embeddedFont>
       <p:font typeface="Quattrocento Sans" panose="020B0604020202020204" charset="0"/>
-      <p:regular r:id="rId21"/>
-      <p:bold r:id="rId22"/>
-      <p:italic r:id="rId23"/>
-      <p:boldItalic r:id="rId24"/>
+      <p:regular r:id="rId24"/>
+      <p:bold r:id="rId25"/>
+      <p:italic r:id="rId26"/>
+      <p:boldItalic r:id="rId27"/>
     </p:embeddedFont>
     <p:embeddedFont>
       <p:font typeface="Trebuchet MS" panose="020B0603020202020204" pitchFamily="34" charset="0"/>
-      <p:regular r:id="rId25"/>
-      <p:bold r:id="rId26"/>
-      <p:italic r:id="rId27"/>
-      <p:boldItalic r:id="rId28"/>
+      <p:regular r:id="rId28"/>
+      <p:bold r:id="rId29"/>
+      <p:italic r:id="rId30"/>
+      <p:boldItalic r:id="rId31"/>
     </p:embeddedFont>
   </p:embeddedFontLst>
   <p:defaultTextStyle>
@@ -293,7 +296,7 @@
       </p15:sldGuideLst>
     </p:ext>
     <p:ext uri="GoogleSlidesCustomDataVersion2">
-      <go:slidesCustomData xmlns:go="http://customooxmlschemas.google.com/" xmlns:ahyp="http://schemas.microsoft.com/office/drawing/2018/hyperlinkcolor" xmlns:p15="http://schemas.microsoft.com/office/powerpoint/2012/main" xmlns:p14="http://schemas.microsoft.com/office/powerpoint/2010/main" xmlns:com="http://schemas.openxmlformats.org/drawingml/2006/compatibility" xmlns:pvml="urn:schemas-microsoft-com:office:powerpoint" xmlns:v="urn:schemas-microsoft-com:vml" xmlns:o="urn:schemas-microsoft-com:office:office" xmlns:dgm="http://schemas.openxmlformats.org/drawingml/2006/diagram" xmlns:c="http://schemas.openxmlformats.org/drawingml/2006/chart" xmlns:mv="urn:schemas-microsoft-com:mac:vml" xmlns:mc="http://schemas.openxmlformats.org/markup-compatibility/2006" xmlns="" r:id="rId29" roundtripDataSignature="AMtx7mg5eB7Y7m6HkdZc4+JaVax7cGqZyg=="/>
+      <go:slidesCustomData xmlns="" xmlns:mc="http://schemas.openxmlformats.org/markup-compatibility/2006" xmlns:mv="urn:schemas-microsoft-com:mac:vml" xmlns:c="http://schemas.openxmlformats.org/drawingml/2006/chart" xmlns:dgm="http://schemas.openxmlformats.org/drawingml/2006/diagram" xmlns:o="urn:schemas-microsoft-com:office:office" xmlns:v="urn:schemas-microsoft-com:vml" xmlns:pvml="urn:schemas-microsoft-com:office:powerpoint" xmlns:com="http://schemas.openxmlformats.org/drawingml/2006/compatibility" xmlns:p14="http://schemas.microsoft.com/office/powerpoint/2010/main" xmlns:p15="http://schemas.microsoft.com/office/powerpoint/2012/main" xmlns:ahyp="http://schemas.microsoft.com/office/drawing/2018/hyperlinkcolor" xmlns:go="http://customooxmlschemas.google.com/" r:id="rId32" roundtripDataSignature="AMtx7mg5eB7Y7m6HkdZc4+JaVax7cGqZyg=="/>
     </p:ext>
   </p:extLst>
 </p:presentation>
@@ -9552,6 +9555,537 @@
     </p:spTree>
     <p:extLst>
       <p:ext uri="{BB962C8B-B14F-4D97-AF65-F5344CB8AC3E}">
+        <p14:creationId xmlns:p14="http://schemas.microsoft.com/office/powerpoint/2010/main" val="1091311893"/>
+      </p:ext>
+    </p:extLst>
+  </p:cSld>
+  <p:clrMapOvr>
+    <a:masterClrMapping/>
+  </p:clrMapOvr>
+</p:notes>
+</file>
+
+<file path=ppt/notesSlides/notesSlide13.xml><?xml version="1.0" encoding="utf-8"?>
+<p:notes xmlns:a="http://schemas.openxmlformats.org/drawingml/2006/main" xmlns:r="http://schemas.openxmlformats.org/officeDocument/2006/relationships" xmlns:p="http://schemas.openxmlformats.org/presentationml/2006/main" showMasterSp="0" showMasterPhAnim="0">
+  <p:cSld>
+    <p:spTree>
+      <p:nvGrpSpPr>
+        <p:cNvPr id="1" name="Shape 217"/>
+        <p:cNvGrpSpPr/>
+        <p:nvPr/>
+      </p:nvGrpSpPr>
+      <p:grpSpPr>
+        <a:xfrm>
+          <a:off x="0" y="0"/>
+          <a:ext cx="0" cy="0"/>
+          <a:chOff x="0" y="0"/>
+          <a:chExt cx="0" cy="0"/>
+        </a:xfrm>
+      </p:grpSpPr>
+      <p:sp>
+        <p:nvSpPr>
+          <p:cNvPr id="218" name="Google Shape;218;p12:notes"/>
+          <p:cNvSpPr>
+            <a:spLocks noGrp="1" noRot="1" noChangeAspect="1"/>
+          </p:cNvSpPr>
+          <p:nvPr>
+            <p:ph type="sldImg" idx="2"/>
+          </p:nvPr>
+        </p:nvSpPr>
+        <p:spPr>
+          <a:xfrm>
+            <a:off x="1143000" y="685800"/>
+            <a:ext cx="4572000" cy="3429000"/>
+          </a:xfrm>
+          <a:custGeom>
+            <a:avLst/>
+            <a:gdLst/>
+            <a:ahLst/>
+            <a:cxnLst/>
+            <a:rect l="l" t="t" r="r" b="b"/>
+            <a:pathLst>
+              <a:path w="120000" h="120000" extrusionOk="0">
+                <a:moveTo>
+                  <a:pt x="0" y="0"/>
+                </a:moveTo>
+                <a:lnTo>
+                  <a:pt x="120000" y="0"/>
+                </a:lnTo>
+                <a:lnTo>
+                  <a:pt x="120000" y="120000"/>
+                </a:lnTo>
+                <a:lnTo>
+                  <a:pt x="0" y="120000"/>
+                </a:lnTo>
+                <a:close/>
+              </a:path>
+            </a:pathLst>
+          </a:custGeom>
+          <a:noFill/>
+          <a:ln w="12700" cap="flat" cmpd="sng">
+            <a:solidFill>
+              <a:srgbClr val="000000"/>
+            </a:solidFill>
+            <a:prstDash val="solid"/>
+            <a:round/>
+            <a:headEnd type="none" w="sm" len="sm"/>
+            <a:tailEnd type="none" w="sm" len="sm"/>
+          </a:ln>
+        </p:spPr>
+      </p:sp>
+      <p:sp>
+        <p:nvSpPr>
+          <p:cNvPr id="219" name="Google Shape;219;p12:notes"/>
+          <p:cNvSpPr txBox="1">
+            <a:spLocks noGrp="1"/>
+          </p:cNvSpPr>
+          <p:nvPr>
+            <p:ph type="body" idx="1"/>
+          </p:nvPr>
+        </p:nvSpPr>
+        <p:spPr>
+          <a:xfrm>
+            <a:off x="685800" y="4343400"/>
+            <a:ext cx="5486400" cy="4114800"/>
+          </a:xfrm>
+          <a:prstGeom prst="rect">
+            <a:avLst/>
+          </a:prstGeom>
+          <a:noFill/>
+          <a:ln>
+            <a:noFill/>
+          </a:ln>
+        </p:spPr>
+        <p:txBody>
+          <a:bodyPr spcFirstLastPara="1" wrap="square" lIns="91425" tIns="45700" rIns="91425" bIns="45700" anchor="t" anchorCtr="0">
+            <a:noAutofit/>
+          </a:bodyPr>
+          <a:lstStyle/>
+          <a:p>
+            <a:pPr marL="0" lvl="0" indent="450215" algn="just" rtl="0">
+              <a:lnSpc>
+                <a:spcPct val="150000"/>
+              </a:lnSpc>
+              <a:spcBef>
+                <a:spcPts val="0"/>
+              </a:spcBef>
+              <a:spcAft>
+                <a:spcPts val="0"/>
+              </a:spcAft>
+              <a:buNone/>
+            </a:pPr>
+            <a:endParaRPr sz="1800">
+              <a:latin typeface="Times New Roman"/>
+              <a:ea typeface="Times New Roman"/>
+              <a:cs typeface="Times New Roman"/>
+              <a:sym typeface="Times New Roman"/>
+            </a:endParaRPr>
+          </a:p>
+        </p:txBody>
+      </p:sp>
+      <p:sp>
+        <p:nvSpPr>
+          <p:cNvPr id="220" name="Google Shape;220;p12:notes"/>
+          <p:cNvSpPr txBox="1">
+            <a:spLocks noGrp="1"/>
+          </p:cNvSpPr>
+          <p:nvPr>
+            <p:ph type="sldNum" idx="12"/>
+          </p:nvPr>
+        </p:nvSpPr>
+        <p:spPr>
+          <a:xfrm>
+            <a:off x="3884613" y="8685213"/>
+            <a:ext cx="2971800" cy="457200"/>
+          </a:xfrm>
+          <a:prstGeom prst="rect">
+            <a:avLst/>
+          </a:prstGeom>
+          <a:noFill/>
+          <a:ln>
+            <a:noFill/>
+          </a:ln>
+        </p:spPr>
+        <p:txBody>
+          <a:bodyPr spcFirstLastPara="1" wrap="square" lIns="91425" tIns="45700" rIns="91425" bIns="45700" anchor="b" anchorCtr="0">
+            <a:noAutofit/>
+          </a:bodyPr>
+          <a:lstStyle/>
+          <a:p>
+            <a:pPr marL="0" lvl="0" indent="0" algn="r" rtl="0">
+              <a:spcBef>
+                <a:spcPts val="0"/>
+              </a:spcBef>
+              <a:spcAft>
+                <a:spcPts val="0"/>
+              </a:spcAft>
+              <a:buNone/>
+            </a:pPr>
+            <a:fld id="{00000000-1234-1234-1234-123412341234}" type="slidenum">
+              <a:rPr lang="ru-RU"/>
+              <a:t>13</a:t>
+            </a:fld>
+            <a:endParaRPr/>
+          </a:p>
+        </p:txBody>
+      </p:sp>
+    </p:spTree>
+    <p:extLst>
+      <p:ext uri="{BB962C8B-B14F-4D97-AF65-F5344CB8AC3E}">
+        <p14:creationId xmlns:p14="http://schemas.microsoft.com/office/powerpoint/2010/main" val="3252643409"/>
+      </p:ext>
+    </p:extLst>
+  </p:cSld>
+  <p:clrMapOvr>
+    <a:masterClrMapping/>
+  </p:clrMapOvr>
+</p:notes>
+</file>
+
+<file path=ppt/notesSlides/notesSlide14.xml><?xml version="1.0" encoding="utf-8"?>
+<p:notes xmlns:a="http://schemas.openxmlformats.org/drawingml/2006/main" xmlns:r="http://schemas.openxmlformats.org/officeDocument/2006/relationships" xmlns:p="http://schemas.openxmlformats.org/presentationml/2006/main" showMasterSp="0" showMasterPhAnim="0">
+  <p:cSld>
+    <p:spTree>
+      <p:nvGrpSpPr>
+        <p:cNvPr id="1" name="Shape 217"/>
+        <p:cNvGrpSpPr/>
+        <p:nvPr/>
+      </p:nvGrpSpPr>
+      <p:grpSpPr>
+        <a:xfrm>
+          <a:off x="0" y="0"/>
+          <a:ext cx="0" cy="0"/>
+          <a:chOff x="0" y="0"/>
+          <a:chExt cx="0" cy="0"/>
+        </a:xfrm>
+      </p:grpSpPr>
+      <p:sp>
+        <p:nvSpPr>
+          <p:cNvPr id="218" name="Google Shape;218;p12:notes"/>
+          <p:cNvSpPr>
+            <a:spLocks noGrp="1" noRot="1" noChangeAspect="1"/>
+          </p:cNvSpPr>
+          <p:nvPr>
+            <p:ph type="sldImg" idx="2"/>
+          </p:nvPr>
+        </p:nvSpPr>
+        <p:spPr>
+          <a:xfrm>
+            <a:off x="1143000" y="685800"/>
+            <a:ext cx="4572000" cy="3429000"/>
+          </a:xfrm>
+          <a:custGeom>
+            <a:avLst/>
+            <a:gdLst/>
+            <a:ahLst/>
+            <a:cxnLst/>
+            <a:rect l="l" t="t" r="r" b="b"/>
+            <a:pathLst>
+              <a:path w="120000" h="120000" extrusionOk="0">
+                <a:moveTo>
+                  <a:pt x="0" y="0"/>
+                </a:moveTo>
+                <a:lnTo>
+                  <a:pt x="120000" y="0"/>
+                </a:lnTo>
+                <a:lnTo>
+                  <a:pt x="120000" y="120000"/>
+                </a:lnTo>
+                <a:lnTo>
+                  <a:pt x="0" y="120000"/>
+                </a:lnTo>
+                <a:close/>
+              </a:path>
+            </a:pathLst>
+          </a:custGeom>
+          <a:noFill/>
+          <a:ln w="12700" cap="flat" cmpd="sng">
+            <a:solidFill>
+              <a:srgbClr val="000000"/>
+            </a:solidFill>
+            <a:prstDash val="solid"/>
+            <a:round/>
+            <a:headEnd type="none" w="sm" len="sm"/>
+            <a:tailEnd type="none" w="sm" len="sm"/>
+          </a:ln>
+        </p:spPr>
+      </p:sp>
+      <p:sp>
+        <p:nvSpPr>
+          <p:cNvPr id="219" name="Google Shape;219;p12:notes"/>
+          <p:cNvSpPr txBox="1">
+            <a:spLocks noGrp="1"/>
+          </p:cNvSpPr>
+          <p:nvPr>
+            <p:ph type="body" idx="1"/>
+          </p:nvPr>
+        </p:nvSpPr>
+        <p:spPr>
+          <a:xfrm>
+            <a:off x="685800" y="4343400"/>
+            <a:ext cx="5486400" cy="4114800"/>
+          </a:xfrm>
+          <a:prstGeom prst="rect">
+            <a:avLst/>
+          </a:prstGeom>
+          <a:noFill/>
+          <a:ln>
+            <a:noFill/>
+          </a:ln>
+        </p:spPr>
+        <p:txBody>
+          <a:bodyPr spcFirstLastPara="1" wrap="square" lIns="91425" tIns="45700" rIns="91425" bIns="45700" anchor="t" anchorCtr="0">
+            <a:noAutofit/>
+          </a:bodyPr>
+          <a:lstStyle/>
+          <a:p>
+            <a:pPr marL="0" lvl="0" indent="450215" algn="just" rtl="0">
+              <a:lnSpc>
+                <a:spcPct val="150000"/>
+              </a:lnSpc>
+              <a:spcBef>
+                <a:spcPts val="0"/>
+              </a:spcBef>
+              <a:spcAft>
+                <a:spcPts val="0"/>
+              </a:spcAft>
+              <a:buNone/>
+            </a:pPr>
+            <a:endParaRPr sz="1800">
+              <a:latin typeface="Times New Roman"/>
+              <a:ea typeface="Times New Roman"/>
+              <a:cs typeface="Times New Roman"/>
+              <a:sym typeface="Times New Roman"/>
+            </a:endParaRPr>
+          </a:p>
+        </p:txBody>
+      </p:sp>
+      <p:sp>
+        <p:nvSpPr>
+          <p:cNvPr id="220" name="Google Shape;220;p12:notes"/>
+          <p:cNvSpPr txBox="1">
+            <a:spLocks noGrp="1"/>
+          </p:cNvSpPr>
+          <p:nvPr>
+            <p:ph type="sldNum" idx="12"/>
+          </p:nvPr>
+        </p:nvSpPr>
+        <p:spPr>
+          <a:xfrm>
+            <a:off x="3884613" y="8685213"/>
+            <a:ext cx="2971800" cy="457200"/>
+          </a:xfrm>
+          <a:prstGeom prst="rect">
+            <a:avLst/>
+          </a:prstGeom>
+          <a:noFill/>
+          <a:ln>
+            <a:noFill/>
+          </a:ln>
+        </p:spPr>
+        <p:txBody>
+          <a:bodyPr spcFirstLastPara="1" wrap="square" lIns="91425" tIns="45700" rIns="91425" bIns="45700" anchor="b" anchorCtr="0">
+            <a:noAutofit/>
+          </a:bodyPr>
+          <a:lstStyle/>
+          <a:p>
+            <a:pPr marL="0" lvl="0" indent="0" algn="r" rtl="0">
+              <a:spcBef>
+                <a:spcPts val="0"/>
+              </a:spcBef>
+              <a:spcAft>
+                <a:spcPts val="0"/>
+              </a:spcAft>
+              <a:buNone/>
+            </a:pPr>
+            <a:fld id="{00000000-1234-1234-1234-123412341234}" type="slidenum">
+              <a:rPr lang="ru-RU"/>
+              <a:t>14</a:t>
+            </a:fld>
+            <a:endParaRPr/>
+          </a:p>
+        </p:txBody>
+      </p:sp>
+    </p:spTree>
+    <p:extLst>
+      <p:ext uri="{BB962C8B-B14F-4D97-AF65-F5344CB8AC3E}">
+        <p14:creationId xmlns:p14="http://schemas.microsoft.com/office/powerpoint/2010/main" val="1066739633"/>
+      </p:ext>
+    </p:extLst>
+  </p:cSld>
+  <p:clrMapOvr>
+    <a:masterClrMapping/>
+  </p:clrMapOvr>
+</p:notes>
+</file>
+
+<file path=ppt/notesSlides/notesSlide15.xml><?xml version="1.0" encoding="utf-8"?>
+<p:notes xmlns:a="http://schemas.openxmlformats.org/drawingml/2006/main" xmlns:r="http://schemas.openxmlformats.org/officeDocument/2006/relationships" xmlns:p="http://schemas.openxmlformats.org/presentationml/2006/main" showMasterSp="0" showMasterPhAnim="0">
+  <p:cSld>
+    <p:spTree>
+      <p:nvGrpSpPr>
+        <p:cNvPr id="1" name="Shape 217"/>
+        <p:cNvGrpSpPr/>
+        <p:nvPr/>
+      </p:nvGrpSpPr>
+      <p:grpSpPr>
+        <a:xfrm>
+          <a:off x="0" y="0"/>
+          <a:ext cx="0" cy="0"/>
+          <a:chOff x="0" y="0"/>
+          <a:chExt cx="0" cy="0"/>
+        </a:xfrm>
+      </p:grpSpPr>
+      <p:sp>
+        <p:nvSpPr>
+          <p:cNvPr id="218" name="Google Shape;218;p12:notes"/>
+          <p:cNvSpPr>
+            <a:spLocks noGrp="1" noRot="1" noChangeAspect="1"/>
+          </p:cNvSpPr>
+          <p:nvPr>
+            <p:ph type="sldImg" idx="2"/>
+          </p:nvPr>
+        </p:nvSpPr>
+        <p:spPr>
+          <a:xfrm>
+            <a:off x="1143000" y="685800"/>
+            <a:ext cx="4572000" cy="3429000"/>
+          </a:xfrm>
+          <a:custGeom>
+            <a:avLst/>
+            <a:gdLst/>
+            <a:ahLst/>
+            <a:cxnLst/>
+            <a:rect l="l" t="t" r="r" b="b"/>
+            <a:pathLst>
+              <a:path w="120000" h="120000" extrusionOk="0">
+                <a:moveTo>
+                  <a:pt x="0" y="0"/>
+                </a:moveTo>
+                <a:lnTo>
+                  <a:pt x="120000" y="0"/>
+                </a:lnTo>
+                <a:lnTo>
+                  <a:pt x="120000" y="120000"/>
+                </a:lnTo>
+                <a:lnTo>
+                  <a:pt x="0" y="120000"/>
+                </a:lnTo>
+                <a:close/>
+              </a:path>
+            </a:pathLst>
+          </a:custGeom>
+          <a:noFill/>
+          <a:ln w="12700" cap="flat" cmpd="sng">
+            <a:solidFill>
+              <a:srgbClr val="000000"/>
+            </a:solidFill>
+            <a:prstDash val="solid"/>
+            <a:round/>
+            <a:headEnd type="none" w="sm" len="sm"/>
+            <a:tailEnd type="none" w="sm" len="sm"/>
+          </a:ln>
+        </p:spPr>
+      </p:sp>
+      <p:sp>
+        <p:nvSpPr>
+          <p:cNvPr id="219" name="Google Shape;219;p12:notes"/>
+          <p:cNvSpPr txBox="1">
+            <a:spLocks noGrp="1"/>
+          </p:cNvSpPr>
+          <p:nvPr>
+            <p:ph type="body" idx="1"/>
+          </p:nvPr>
+        </p:nvSpPr>
+        <p:spPr>
+          <a:xfrm>
+            <a:off x="685800" y="4343400"/>
+            <a:ext cx="5486400" cy="4114800"/>
+          </a:xfrm>
+          <a:prstGeom prst="rect">
+            <a:avLst/>
+          </a:prstGeom>
+          <a:noFill/>
+          <a:ln>
+            <a:noFill/>
+          </a:ln>
+        </p:spPr>
+        <p:txBody>
+          <a:bodyPr spcFirstLastPara="1" wrap="square" lIns="91425" tIns="45700" rIns="91425" bIns="45700" anchor="t" anchorCtr="0">
+            <a:noAutofit/>
+          </a:bodyPr>
+          <a:lstStyle/>
+          <a:p>
+            <a:pPr marL="0" lvl="0" indent="450215" algn="just" rtl="0">
+              <a:lnSpc>
+                <a:spcPct val="150000"/>
+              </a:lnSpc>
+              <a:spcBef>
+                <a:spcPts val="0"/>
+              </a:spcBef>
+              <a:spcAft>
+                <a:spcPts val="0"/>
+              </a:spcAft>
+              <a:buNone/>
+            </a:pPr>
+            <a:endParaRPr sz="1800">
+              <a:latin typeface="Times New Roman"/>
+              <a:ea typeface="Times New Roman"/>
+              <a:cs typeface="Times New Roman"/>
+              <a:sym typeface="Times New Roman"/>
+            </a:endParaRPr>
+          </a:p>
+        </p:txBody>
+      </p:sp>
+      <p:sp>
+        <p:nvSpPr>
+          <p:cNvPr id="220" name="Google Shape;220;p12:notes"/>
+          <p:cNvSpPr txBox="1">
+            <a:spLocks noGrp="1"/>
+          </p:cNvSpPr>
+          <p:nvPr>
+            <p:ph type="sldNum" idx="12"/>
+          </p:nvPr>
+        </p:nvSpPr>
+        <p:spPr>
+          <a:xfrm>
+            <a:off x="3884613" y="8685213"/>
+            <a:ext cx="2971800" cy="457200"/>
+          </a:xfrm>
+          <a:prstGeom prst="rect">
+            <a:avLst/>
+          </a:prstGeom>
+          <a:noFill/>
+          <a:ln>
+            <a:noFill/>
+          </a:ln>
+        </p:spPr>
+        <p:txBody>
+          <a:bodyPr spcFirstLastPara="1" wrap="square" lIns="91425" tIns="45700" rIns="91425" bIns="45700" anchor="b" anchorCtr="0">
+            <a:noAutofit/>
+          </a:bodyPr>
+          <a:lstStyle/>
+          <a:p>
+            <a:pPr marL="0" lvl="0" indent="0" algn="r" rtl="0">
+              <a:spcBef>
+                <a:spcPts val="0"/>
+              </a:spcBef>
+              <a:spcAft>
+                <a:spcPts val="0"/>
+              </a:spcAft>
+              <a:buNone/>
+            </a:pPr>
+            <a:fld id="{00000000-1234-1234-1234-123412341234}" type="slidenum">
+              <a:rPr lang="ru-RU"/>
+              <a:t>15</a:t>
+            </a:fld>
+            <a:endParaRPr/>
+          </a:p>
+        </p:txBody>
+      </p:sp>
+    </p:spTree>
+    <p:extLst>
+      <p:ext uri="{BB962C8B-B14F-4D97-AF65-F5344CB8AC3E}">
         <p14:creationId xmlns:p14="http://schemas.microsoft.com/office/powerpoint/2010/main" val="2483492594"/>
       </p:ext>
     </p:extLst>
@@ -9562,7 +10096,7 @@
 </p:notes>
 </file>
 
-<file path=ppt/notesSlides/notesSlide13.xml><?xml version="1.0" encoding="utf-8"?>
+<file path=ppt/notesSlides/notesSlide16.xml><?xml version="1.0" encoding="utf-8"?>
 <p:notes xmlns:a="http://schemas.openxmlformats.org/drawingml/2006/main" xmlns:r="http://schemas.openxmlformats.org/officeDocument/2006/relationships" xmlns:p="http://schemas.openxmlformats.org/presentationml/2006/main" showMasterSp="0" showMasterPhAnim="0">
   <p:cSld>
     <p:spTree>
@@ -9720,7 +10254,7 @@
             </a:pPr>
             <a:fld id="{00000000-1234-1234-1234-123412341234}" type="slidenum">
               <a:rPr lang="ru-RU"/>
-              <a:t>13</a:t>
+              <a:t>16</a:t>
             </a:fld>
             <a:endParaRPr/>
           </a:p>
@@ -9739,7 +10273,7 @@
 </p:notes>
 </file>
 
-<file path=ppt/notesSlides/notesSlide14.xml><?xml version="1.0" encoding="utf-8"?>
+<file path=ppt/notesSlides/notesSlide17.xml><?xml version="1.0" encoding="utf-8"?>
 <p:notes xmlns:a="http://schemas.openxmlformats.org/drawingml/2006/main" xmlns:r="http://schemas.openxmlformats.org/officeDocument/2006/relationships" xmlns:p="http://schemas.openxmlformats.org/presentationml/2006/main" showMasterSp="0" showMasterPhAnim="0">
   <p:cSld>
     <p:spTree>
@@ -9897,7 +10431,7 @@
             </a:pPr>
             <a:fld id="{00000000-1234-1234-1234-123412341234}" type="slidenum">
               <a:rPr lang="ru-RU"/>
-              <a:t>14</a:t>
+              <a:t>17</a:t>
             </a:fld>
             <a:endParaRPr/>
           </a:p>
@@ -22042,7 +22576,7 @@
         <p:spPr>
           <a:xfrm>
             <a:off x="323528" y="1258298"/>
-            <a:ext cx="8640959" cy="4832052"/>
+            <a:ext cx="8640959" cy="4616608"/>
           </a:xfrm>
           <a:prstGeom prst="rect">
             <a:avLst/>
@@ -22059,13 +22593,21 @@
           <a:lstStyle/>
           <a:p>
             <a:r>
-              <a:rPr lang="ru-RU" dirty="0"/>
+              <a:rPr lang="ru-RU" dirty="0">
+                <a:latin typeface="Calibri" panose="020F0502020204030204" pitchFamily="34" charset="0"/>
+                <a:ea typeface="Calibri" panose="020F0502020204030204" pitchFamily="34" charset="0"/>
+                <a:cs typeface="Calibri" panose="020F0502020204030204" pitchFamily="34" charset="0"/>
+              </a:rPr>
               <a:t>Метод потенциалов – это алгоритм для решения транспортной задачи путем использования концепции потенциалов для нахождения оптимального плана перевозок.</a:t>
             </a:r>
           </a:p>
           <a:p>
             <a:r>
-              <a:rPr lang="ru-RU" dirty="0"/>
+              <a:rPr lang="ru-RU" dirty="0">
+                <a:latin typeface="Calibri" panose="020F0502020204030204" pitchFamily="34" charset="0"/>
+                <a:ea typeface="Calibri" panose="020F0502020204030204" pitchFamily="34" charset="0"/>
+                <a:cs typeface="Calibri" panose="020F0502020204030204" pitchFamily="34" charset="0"/>
+              </a:rPr>
               <a:t>Принцип метода потенциалов основан на следующих ключевых идеях:</a:t>
             </a:r>
           </a:p>
@@ -22075,12 +22617,52 @@
               <a:buChar char="•"/>
             </a:pPr>
             <a:r>
-              <a:rPr lang="ru-RU" b="1" dirty="0"/>
+              <a:rPr lang="ru-RU" b="1" dirty="0">
+                <a:latin typeface="Calibri" panose="020F0502020204030204" pitchFamily="34" charset="0"/>
+                <a:ea typeface="Calibri" panose="020F0502020204030204" pitchFamily="34" charset="0"/>
+                <a:cs typeface="Calibri" panose="020F0502020204030204" pitchFamily="34" charset="0"/>
+              </a:rPr>
               <a:t>Потенциалы и разности</a:t>
             </a:r>
             <a:r>
-              <a:rPr lang="ru-RU" dirty="0"/>
-              <a:t>: В методе потенциалов каждой клетке таблицы перевозок (ячейке, представляющей перевозку из источника в пункт назначения) сопоставляются числовые значения, называемые потенциалами. Потенциалы соответствуют "цене" перевозки из соответствующего источника или в соответствующий пункт назначения. Разности потенциалов являются величинами, отражающими стоимость перевозки через каждый маршрут.</a:t>
+              <a:rPr lang="ru-RU" dirty="0">
+                <a:latin typeface="Calibri" panose="020F0502020204030204" pitchFamily="34" charset="0"/>
+                <a:ea typeface="Calibri" panose="020F0502020204030204" pitchFamily="34" charset="0"/>
+                <a:cs typeface="Calibri" panose="020F0502020204030204" pitchFamily="34" charset="0"/>
+              </a:rPr>
+              <a:t>: В методе потенциалов каждой клетке таблицы перевозок (ячейке, представляющей перевозку из источника в пункт назначения) сопоставляются числовые значения, называемые потенциалами. </a:t>
+            </a:r>
+            <a:r>
+              <a:rPr lang="ru-RU" b="1" dirty="0">
+                <a:latin typeface="Calibri" panose="020F0502020204030204" pitchFamily="34" charset="0"/>
+                <a:ea typeface="Calibri" panose="020F0502020204030204" pitchFamily="34" charset="0"/>
+                <a:cs typeface="Calibri" panose="020F0502020204030204" pitchFamily="34" charset="0"/>
+              </a:rPr>
+              <a:t>Потенциалы соответствуют "цене" перевозки из соответствующего источника </a:t>
+            </a:r>
+            <a:r>
+              <a:rPr lang="ru-RU" dirty="0">
+                <a:latin typeface="Calibri" panose="020F0502020204030204" pitchFamily="34" charset="0"/>
+                <a:ea typeface="Calibri" panose="020F0502020204030204" pitchFamily="34" charset="0"/>
+                <a:cs typeface="Calibri" panose="020F0502020204030204" pitchFamily="34" charset="0"/>
+              </a:rPr>
+              <a:t>или в соответствующий пункт назначения. </a:t>
+            </a:r>
+            <a:r>
+              <a:rPr lang="ru-RU" b="1" dirty="0">
+                <a:latin typeface="Calibri" panose="020F0502020204030204" pitchFamily="34" charset="0"/>
+                <a:ea typeface="Calibri" panose="020F0502020204030204" pitchFamily="34" charset="0"/>
+                <a:cs typeface="Calibri" panose="020F0502020204030204" pitchFamily="34" charset="0"/>
+              </a:rPr>
+              <a:t>Разности потенциалов являются величинами, отражающими стоимость перевозки через каждый маршрут</a:t>
+            </a:r>
+            <a:r>
+              <a:rPr lang="ru-RU" dirty="0">
+                <a:latin typeface="Calibri" panose="020F0502020204030204" pitchFamily="34" charset="0"/>
+                <a:ea typeface="Calibri" panose="020F0502020204030204" pitchFamily="34" charset="0"/>
+                <a:cs typeface="Calibri" panose="020F0502020204030204" pitchFamily="34" charset="0"/>
+              </a:rPr>
+              <a:t>.</a:t>
             </a:r>
           </a:p>
           <a:p>
@@ -22089,12 +22671,36 @@
               <a:buChar char="•"/>
             </a:pPr>
             <a:r>
-              <a:rPr lang="ru-RU" b="1" dirty="0"/>
+              <a:rPr lang="ru-RU" b="1" dirty="0">
+                <a:latin typeface="Calibri" panose="020F0502020204030204" pitchFamily="34" charset="0"/>
+                <a:ea typeface="Calibri" panose="020F0502020204030204" pitchFamily="34" charset="0"/>
+                <a:cs typeface="Calibri" panose="020F0502020204030204" pitchFamily="34" charset="0"/>
+              </a:rPr>
               <a:t>Условие оптимальности</a:t>
             </a:r>
             <a:r>
-              <a:rPr lang="ru-RU" dirty="0"/>
-              <a:t>: Оптимальное решение задачи транспортной логистики достигается, когда все разности положительны или нулевые. Это условие означает, что любое изменение в стоимости перевозки будет увеличивать общие затраты на перевозки.</a:t>
+              <a:rPr lang="ru-RU" dirty="0">
+                <a:latin typeface="Calibri" panose="020F0502020204030204" pitchFamily="34" charset="0"/>
+                <a:ea typeface="Calibri" panose="020F0502020204030204" pitchFamily="34" charset="0"/>
+                <a:cs typeface="Calibri" panose="020F0502020204030204" pitchFamily="34" charset="0"/>
+              </a:rPr>
+              <a:t>: Оптимальное решение задачи транспортной логистики достигается, когда </a:t>
+            </a:r>
+            <a:r>
+              <a:rPr lang="ru-RU" b="1" dirty="0">
+                <a:latin typeface="Calibri" panose="020F0502020204030204" pitchFamily="34" charset="0"/>
+                <a:ea typeface="Calibri" panose="020F0502020204030204" pitchFamily="34" charset="0"/>
+                <a:cs typeface="Calibri" panose="020F0502020204030204" pitchFamily="34" charset="0"/>
+              </a:rPr>
+              <a:t>все разности положительны или нулевые</a:t>
+            </a:r>
+            <a:r>
+              <a:rPr lang="ru-RU" dirty="0">
+                <a:latin typeface="Calibri" panose="020F0502020204030204" pitchFamily="34" charset="0"/>
+                <a:ea typeface="Calibri" panose="020F0502020204030204" pitchFamily="34" charset="0"/>
+                <a:cs typeface="Calibri" panose="020F0502020204030204" pitchFamily="34" charset="0"/>
+              </a:rPr>
+              <a:t>. Это условие означает, что любое изменение в стоимости перевозки будет увеличивать общие затраты на перевозки.</a:t>
             </a:r>
           </a:p>
           <a:p>
@@ -22103,12 +22709,36 @@
               <a:buChar char="•"/>
             </a:pPr>
             <a:r>
-              <a:rPr lang="ru-RU" b="1" dirty="0"/>
+              <a:rPr lang="ru-RU" b="1" dirty="0">
+                <a:latin typeface="Calibri" panose="020F0502020204030204" pitchFamily="34" charset="0"/>
+                <a:ea typeface="Calibri" panose="020F0502020204030204" pitchFamily="34" charset="0"/>
+                <a:cs typeface="Calibri" panose="020F0502020204030204" pitchFamily="34" charset="0"/>
+              </a:rPr>
               <a:t>Использование потенциалов для определения оптимального плана</a:t>
             </a:r>
             <a:r>
-              <a:rPr lang="ru-RU" dirty="0"/>
-              <a:t>: Потенциалы вычисляются на основе текущего плана перевозок и используются для определения разностей. Если есть клетка с ненулевой разностью, это означает, что существует возможность улучшения плана перевозок путем перераспределения товаров через эту клетку.</a:t>
+              <a:rPr lang="ru-RU" dirty="0">
+                <a:latin typeface="Calibri" panose="020F0502020204030204" pitchFamily="34" charset="0"/>
+                <a:ea typeface="Calibri" panose="020F0502020204030204" pitchFamily="34" charset="0"/>
+                <a:cs typeface="Calibri" panose="020F0502020204030204" pitchFamily="34" charset="0"/>
+              </a:rPr>
+              <a:t>: Потенциалы вычисляются на основе текущего плана перевозок и используются для определения разностей. </a:t>
+            </a:r>
+            <a:r>
+              <a:rPr lang="ru-RU" b="1" dirty="0">
+                <a:latin typeface="Calibri" panose="020F0502020204030204" pitchFamily="34" charset="0"/>
+                <a:ea typeface="Calibri" panose="020F0502020204030204" pitchFamily="34" charset="0"/>
+                <a:cs typeface="Calibri" panose="020F0502020204030204" pitchFamily="34" charset="0"/>
+              </a:rPr>
+              <a:t>Если есть клетка с ненулевой разностью, это означает, что существует возможность улучшения плана перевозок путем перераспределения товаров через эту клетку</a:t>
+            </a:r>
+            <a:r>
+              <a:rPr lang="ru-RU" dirty="0">
+                <a:latin typeface="Calibri" panose="020F0502020204030204" pitchFamily="34" charset="0"/>
+                <a:ea typeface="Calibri" panose="020F0502020204030204" pitchFamily="34" charset="0"/>
+                <a:cs typeface="Calibri" panose="020F0502020204030204" pitchFamily="34" charset="0"/>
+              </a:rPr>
+              <a:t>.</a:t>
             </a:r>
           </a:p>
           <a:p>
@@ -22117,12 +22747,36 @@
               <a:buChar char="•"/>
             </a:pPr>
             <a:r>
-              <a:rPr lang="ru-RU" b="1" dirty="0"/>
+              <a:rPr lang="ru-RU" b="1" dirty="0">
+                <a:latin typeface="Calibri" panose="020F0502020204030204" pitchFamily="34" charset="0"/>
+                <a:ea typeface="Calibri" panose="020F0502020204030204" pitchFamily="34" charset="0"/>
+                <a:cs typeface="Calibri" panose="020F0502020204030204" pitchFamily="34" charset="0"/>
+              </a:rPr>
               <a:t>Итерационный процесс</a:t>
             </a:r>
             <a:r>
-              <a:rPr lang="ru-RU" dirty="0"/>
-              <a:t>: На каждой итерации вычисляются потенциалы и разности, затем анализируется оптимальность текущего плана. Если текущий план не является оптимальным, производятся изменения в плане перевозок с использованием разностей и пересчитываются потенциалы. Этот процесс повторяется до тех пор, пока не будет достигнуто оптимальное решение.</a:t>
+              <a:rPr lang="ru-RU" dirty="0">
+                <a:latin typeface="Calibri" panose="020F0502020204030204" pitchFamily="34" charset="0"/>
+                <a:ea typeface="Calibri" panose="020F0502020204030204" pitchFamily="34" charset="0"/>
+                <a:cs typeface="Calibri" panose="020F0502020204030204" pitchFamily="34" charset="0"/>
+              </a:rPr>
+              <a:t>: На каждой итерации вычисляются потенциалы и разности, затем анализируется оптимальность текущего плана. </a:t>
+            </a:r>
+            <a:r>
+              <a:rPr lang="ru-RU" b="1" dirty="0">
+                <a:latin typeface="Calibri" panose="020F0502020204030204" pitchFamily="34" charset="0"/>
+                <a:ea typeface="Calibri" panose="020F0502020204030204" pitchFamily="34" charset="0"/>
+                <a:cs typeface="Calibri" panose="020F0502020204030204" pitchFamily="34" charset="0"/>
+              </a:rPr>
+              <a:t>Если текущий план не является оптимальным, производятся изменения в плане перевозок с использованием разностей и пересчитываются потенциалы</a:t>
+            </a:r>
+            <a:r>
+              <a:rPr lang="ru-RU" dirty="0">
+                <a:latin typeface="Calibri" panose="020F0502020204030204" pitchFamily="34" charset="0"/>
+                <a:ea typeface="Calibri" panose="020F0502020204030204" pitchFamily="34" charset="0"/>
+                <a:cs typeface="Calibri" panose="020F0502020204030204" pitchFamily="34" charset="0"/>
+              </a:rPr>
+              <a:t>. Этот процесс повторяется до тех пор, пока не будет достигнуто оптимальное решение.</a:t>
             </a:r>
           </a:p>
           <a:p>
@@ -22131,11 +22785,19 @@
               <a:buChar char="•"/>
             </a:pPr>
             <a:r>
-              <a:rPr lang="ru-RU" b="1" dirty="0"/>
+              <a:rPr lang="ru-RU" b="1" dirty="0">
+                <a:latin typeface="Calibri" panose="020F0502020204030204" pitchFamily="34" charset="0"/>
+                <a:ea typeface="Calibri" panose="020F0502020204030204" pitchFamily="34" charset="0"/>
+                <a:cs typeface="Calibri" panose="020F0502020204030204" pitchFamily="34" charset="0"/>
+              </a:rPr>
               <a:t>Сходимость</a:t>
             </a:r>
             <a:r>
-              <a:rPr lang="ru-RU" dirty="0"/>
+              <a:rPr lang="ru-RU" dirty="0">
+                <a:latin typeface="Calibri" panose="020F0502020204030204" pitchFamily="34" charset="0"/>
+                <a:ea typeface="Calibri" panose="020F0502020204030204" pitchFamily="34" charset="0"/>
+                <a:cs typeface="Calibri" panose="020F0502020204030204" pitchFamily="34" charset="0"/>
+              </a:rPr>
               <a:t>: Метод потенциалов гарантирует сходимость к оптимальному решению за конечное число итераций в случае, если задача имеет допустимое решение.</a:t>
             </a:r>
           </a:p>
@@ -22507,36 +23169,6 @@
           </a:p>
         </p:txBody>
       </p:sp>
-      <p:pic>
-        <p:nvPicPr>
-          <p:cNvPr id="3" name="Рисунок 2">
-            <a:extLst>
-              <a:ext uri="{FF2B5EF4-FFF2-40B4-BE49-F238E27FC236}">
-                <a16:creationId xmlns:a16="http://schemas.microsoft.com/office/drawing/2014/main" id="{2A0B22F8-A627-44C1-B8DD-828C11A4492A}"/>
-              </a:ext>
-            </a:extLst>
-          </p:cNvPr>
-          <p:cNvPicPr>
-            <a:picLocks noChangeAspect="1"/>
-          </p:cNvPicPr>
-          <p:nvPr/>
-        </p:nvPicPr>
-        <p:blipFill>
-          <a:blip r:embed="rId6"/>
-          <a:stretch>
-            <a:fillRect/>
-          </a:stretch>
-        </p:blipFill>
-        <p:spPr>
-          <a:xfrm>
-            <a:off x="0" y="2674331"/>
-            <a:ext cx="9144000" cy="2567430"/>
-          </a:xfrm>
-          <a:prstGeom prst="rect">
-            <a:avLst/>
-          </a:prstGeom>
-        </p:spPr>
-      </p:pic>
       <p:sp>
         <p:nvSpPr>
           <p:cNvPr id="5" name="Заголовок 4">
@@ -22555,7 +23187,7 @@
         </p:nvSpPr>
         <p:spPr>
           <a:xfrm>
-            <a:off x="382350" y="1210997"/>
+            <a:off x="457198" y="719434"/>
             <a:ext cx="8229600" cy="1143000"/>
           </a:xfrm>
         </p:spPr>
@@ -22572,6 +23204,66 @@
           </a:p>
         </p:txBody>
       </p:sp>
+      <p:pic>
+        <p:nvPicPr>
+          <p:cNvPr id="4" name="Рисунок 3">
+            <a:extLst>
+              <a:ext uri="{FF2B5EF4-FFF2-40B4-BE49-F238E27FC236}">
+                <a16:creationId xmlns:a16="http://schemas.microsoft.com/office/drawing/2014/main" id="{0112BF49-A974-44A6-9B70-EEF212E06907}"/>
+              </a:ext>
+            </a:extLst>
+          </p:cNvPr>
+          <p:cNvPicPr>
+            <a:picLocks noChangeAspect="1"/>
+          </p:cNvPicPr>
+          <p:nvPr/>
+        </p:nvPicPr>
+        <p:blipFill>
+          <a:blip r:embed="rId6"/>
+          <a:stretch>
+            <a:fillRect/>
+          </a:stretch>
+        </p:blipFill>
+        <p:spPr>
+          <a:xfrm>
+            <a:off x="532532" y="1428233"/>
+            <a:ext cx="8066314" cy="2711772"/>
+          </a:xfrm>
+          <a:prstGeom prst="rect">
+            <a:avLst/>
+          </a:prstGeom>
+        </p:spPr>
+      </p:pic>
+      <p:pic>
+        <p:nvPicPr>
+          <p:cNvPr id="7" name="Рисунок 6">
+            <a:extLst>
+              <a:ext uri="{FF2B5EF4-FFF2-40B4-BE49-F238E27FC236}">
+                <a16:creationId xmlns:a16="http://schemas.microsoft.com/office/drawing/2014/main" id="{E74C0139-A365-47D1-90EE-2438F839D2B5}"/>
+              </a:ext>
+            </a:extLst>
+          </p:cNvPr>
+          <p:cNvPicPr>
+            <a:picLocks noChangeAspect="1"/>
+          </p:cNvPicPr>
+          <p:nvPr/>
+        </p:nvPicPr>
+        <p:blipFill>
+          <a:blip r:embed="rId7"/>
+          <a:stretch>
+            <a:fillRect/>
+          </a:stretch>
+        </p:blipFill>
+        <p:spPr>
+          <a:xfrm>
+            <a:off x="1229262" y="4139565"/>
+            <a:ext cx="6740434" cy="2266032"/>
+          </a:xfrm>
+          <a:prstGeom prst="rect">
+            <a:avLst/>
+          </a:prstGeom>
+        </p:spPr>
+      </p:pic>
     </p:spTree>
     <p:extLst>
       <p:ext uri="{BB962C8B-B14F-4D97-AF65-F5344CB8AC3E}">
@@ -22703,6 +23395,1041 @@
                 <a:latin typeface="Trebuchet MS"/>
                 <a:sym typeface="Trebuchet MS"/>
               </a:rPr>
+              <a:t>Тестирование</a:t>
+            </a:r>
+            <a:endParaRPr dirty="0"/>
+          </a:p>
+        </p:txBody>
+      </p:sp>
+      <p:pic>
+        <p:nvPicPr>
+          <p:cNvPr id="225" name="Google Shape;225;p12"/>
+          <p:cNvPicPr preferRelativeResize="0"/>
+          <p:nvPr/>
+        </p:nvPicPr>
+        <p:blipFill rotWithShape="1">
+          <a:blip r:embed="rId5">
+            <a:alphaModFix/>
+          </a:blip>
+          <a:srcRect/>
+          <a:stretch/>
+        </p:blipFill>
+        <p:spPr>
+          <a:xfrm>
+            <a:off x="323528" y="240480"/>
+            <a:ext cx="1935499" cy="546957"/>
+          </a:xfrm>
+          <a:prstGeom prst="rect">
+            <a:avLst/>
+          </a:prstGeom>
+          <a:noFill/>
+          <a:ln>
+            <a:noFill/>
+          </a:ln>
+        </p:spPr>
+      </p:pic>
+      <p:sp>
+        <p:nvSpPr>
+          <p:cNvPr id="227" name="Google Shape;227;p12"/>
+          <p:cNvSpPr txBox="1"/>
+          <p:nvPr/>
+        </p:nvSpPr>
+        <p:spPr>
+          <a:xfrm>
+            <a:off x="6902896" y="6481762"/>
+            <a:ext cx="2133600" cy="365125"/>
+          </a:xfrm>
+          <a:prstGeom prst="rect">
+            <a:avLst/>
+          </a:prstGeom>
+          <a:noFill/>
+          <a:ln>
+            <a:noFill/>
+          </a:ln>
+        </p:spPr>
+        <p:txBody>
+          <a:bodyPr spcFirstLastPara="1" wrap="square" lIns="91425" tIns="45700" rIns="91425" bIns="45700" anchor="ctr" anchorCtr="0">
+            <a:noAutofit/>
+          </a:bodyPr>
+          <a:lstStyle/>
+          <a:p>
+            <a:pPr marL="0" marR="0" lvl="0" indent="0" algn="r" rtl="0">
+              <a:spcBef>
+                <a:spcPts val="0"/>
+              </a:spcBef>
+              <a:spcAft>
+                <a:spcPts val="0"/>
+              </a:spcAft>
+              <a:buNone/>
+            </a:pPr>
+            <a:fld id="{00000000-1234-1234-1234-123412341234}" type="slidenum">
+              <a:rPr lang="ru-RU" sz="1400">
+                <a:solidFill>
+                  <a:srgbClr val="D8D8D8"/>
+                </a:solidFill>
+                <a:latin typeface="Trebuchet MS"/>
+                <a:ea typeface="Trebuchet MS"/>
+                <a:cs typeface="Trebuchet MS"/>
+                <a:sym typeface="Trebuchet MS"/>
+              </a:rPr>
+              <a:t>12</a:t>
+            </a:fld>
+            <a:endParaRPr sz="1400">
+              <a:solidFill>
+                <a:srgbClr val="D8D8D8"/>
+              </a:solidFill>
+              <a:latin typeface="Trebuchet MS"/>
+              <a:ea typeface="Trebuchet MS"/>
+              <a:cs typeface="Trebuchet MS"/>
+              <a:sym typeface="Trebuchet MS"/>
+            </a:endParaRPr>
+          </a:p>
+        </p:txBody>
+      </p:sp>
+      <p:sp>
+        <p:nvSpPr>
+          <p:cNvPr id="5" name="Заголовок 4">
+            <a:extLst>
+              <a:ext uri="{FF2B5EF4-FFF2-40B4-BE49-F238E27FC236}">
+                <a16:creationId xmlns:a16="http://schemas.microsoft.com/office/drawing/2014/main" id="{6E71D197-C3F6-48E2-A54A-4ED9663E3C03}"/>
+              </a:ext>
+            </a:extLst>
+          </p:cNvPr>
+          <p:cNvSpPr>
+            <a:spLocks noGrp="1"/>
+          </p:cNvSpPr>
+          <p:nvPr>
+            <p:ph type="title"/>
+          </p:nvPr>
+        </p:nvSpPr>
+        <p:spPr>
+          <a:xfrm>
+            <a:off x="457198" y="719434"/>
+            <a:ext cx="8229600" cy="1143000"/>
+          </a:xfrm>
+        </p:spPr>
+        <p:txBody>
+          <a:bodyPr>
+            <a:noAutofit/>
+          </a:bodyPr>
+          <a:lstStyle/>
+          <a:p>
+            <a:r>
+              <a:rPr lang="ru-RU" sz="2400" dirty="0"/>
+              <a:t>Тестирование с размерами матриц </a:t>
+            </a:r>
+            <a:r>
+              <a:rPr lang="en-US" sz="2400" dirty="0"/>
+              <a:t>3x3 </a:t>
+            </a:r>
+            <a:r>
+              <a:rPr lang="ru-RU" sz="2400" dirty="0"/>
+              <a:t>и 7х7</a:t>
+            </a:r>
+          </a:p>
+        </p:txBody>
+      </p:sp>
+      <p:pic>
+        <p:nvPicPr>
+          <p:cNvPr id="3" name="Рисунок 2">
+            <a:extLst>
+              <a:ext uri="{FF2B5EF4-FFF2-40B4-BE49-F238E27FC236}">
+                <a16:creationId xmlns:a16="http://schemas.microsoft.com/office/drawing/2014/main" id="{B29954F3-FBB9-4CA1-BAC2-DEC427002228}"/>
+              </a:ext>
+            </a:extLst>
+          </p:cNvPr>
+          <p:cNvPicPr>
+            <a:picLocks noChangeAspect="1"/>
+          </p:cNvPicPr>
+          <p:nvPr/>
+        </p:nvPicPr>
+        <p:blipFill>
+          <a:blip r:embed="rId6"/>
+          <a:stretch>
+            <a:fillRect/>
+          </a:stretch>
+        </p:blipFill>
+        <p:spPr>
+          <a:xfrm>
+            <a:off x="1054823" y="1586124"/>
+            <a:ext cx="7034349" cy="2383189"/>
+          </a:xfrm>
+          <a:prstGeom prst="rect">
+            <a:avLst/>
+          </a:prstGeom>
+        </p:spPr>
+      </p:pic>
+      <p:pic>
+        <p:nvPicPr>
+          <p:cNvPr id="8" name="Рисунок 7">
+            <a:extLst>
+              <a:ext uri="{FF2B5EF4-FFF2-40B4-BE49-F238E27FC236}">
+                <a16:creationId xmlns:a16="http://schemas.microsoft.com/office/drawing/2014/main" id="{14CFACAF-B074-4B51-8C21-B676FBA1756E}"/>
+              </a:ext>
+            </a:extLst>
+          </p:cNvPr>
+          <p:cNvPicPr>
+            <a:picLocks noChangeAspect="1"/>
+          </p:cNvPicPr>
+          <p:nvPr/>
+        </p:nvPicPr>
+        <p:blipFill>
+          <a:blip r:embed="rId7"/>
+          <a:stretch>
+            <a:fillRect/>
+          </a:stretch>
+        </p:blipFill>
+        <p:spPr>
+          <a:xfrm>
+            <a:off x="1054823" y="3985188"/>
+            <a:ext cx="7034349" cy="2364841"/>
+          </a:xfrm>
+          <a:prstGeom prst="rect">
+            <a:avLst/>
+          </a:prstGeom>
+        </p:spPr>
+      </p:pic>
+    </p:spTree>
+    <p:extLst>
+      <p:ext uri="{BB962C8B-B14F-4D97-AF65-F5344CB8AC3E}">
+        <p14:creationId xmlns:p14="http://schemas.microsoft.com/office/powerpoint/2010/main" val="618574038"/>
+      </p:ext>
+    </p:extLst>
+  </p:cSld>
+  <p:clrMapOvr>
+    <a:masterClrMapping/>
+  </p:clrMapOvr>
+</p:sld>
+</file>
+
+<file path=ppt/slides/slide13.xml><?xml version="1.0" encoding="utf-8"?>
+<p:sld xmlns:a="http://schemas.openxmlformats.org/drawingml/2006/main" xmlns:r="http://schemas.openxmlformats.org/officeDocument/2006/relationships" xmlns:p="http://schemas.openxmlformats.org/presentationml/2006/main">
+  <p:cSld>
+    <p:spTree>
+      <p:nvGrpSpPr>
+        <p:cNvPr id="1" name="Shape 221"/>
+        <p:cNvGrpSpPr/>
+        <p:nvPr/>
+      </p:nvGrpSpPr>
+      <p:grpSpPr>
+        <a:xfrm>
+          <a:off x="0" y="0"/>
+          <a:ext cx="0" cy="0"/>
+          <a:chOff x="0" y="0"/>
+          <a:chExt cx="0" cy="0"/>
+        </a:xfrm>
+      </p:grpSpPr>
+      <p:pic>
+        <p:nvPicPr>
+          <p:cNvPr id="222" name="Google Shape;222;p12"/>
+          <p:cNvPicPr preferRelativeResize="0"/>
+          <p:nvPr/>
+        </p:nvPicPr>
+        <p:blipFill rotWithShape="1">
+          <a:blip r:embed="rId3">
+            <a:alphaModFix/>
+          </a:blip>
+          <a:srcRect/>
+          <a:stretch/>
+        </p:blipFill>
+        <p:spPr>
+          <a:xfrm>
+            <a:off x="-1" y="0"/>
+            <a:ext cx="9144001" cy="1050454"/>
+          </a:xfrm>
+          <a:prstGeom prst="rect">
+            <a:avLst/>
+          </a:prstGeom>
+          <a:noFill/>
+          <a:ln>
+            <a:noFill/>
+          </a:ln>
+        </p:spPr>
+      </p:pic>
+      <p:pic>
+        <p:nvPicPr>
+          <p:cNvPr id="223" name="Google Shape;223;p12"/>
+          <p:cNvPicPr preferRelativeResize="0"/>
+          <p:nvPr/>
+        </p:nvPicPr>
+        <p:blipFill rotWithShape="1">
+          <a:blip r:embed="rId4">
+            <a:alphaModFix/>
+          </a:blip>
+          <a:srcRect/>
+          <a:stretch/>
+        </p:blipFill>
+        <p:spPr>
+          <a:xfrm>
+            <a:off x="-3" y="6465887"/>
+            <a:ext cx="9144003" cy="402381"/>
+          </a:xfrm>
+          <a:prstGeom prst="rect">
+            <a:avLst/>
+          </a:prstGeom>
+          <a:noFill/>
+          <a:ln>
+            <a:noFill/>
+          </a:ln>
+        </p:spPr>
+      </p:pic>
+      <p:sp>
+        <p:nvSpPr>
+          <p:cNvPr id="224" name="Google Shape;224;p12"/>
+          <p:cNvSpPr txBox="1"/>
+          <p:nvPr/>
+        </p:nvSpPr>
+        <p:spPr>
+          <a:xfrm>
+            <a:off x="734888" y="124909"/>
+            <a:ext cx="8229600" cy="778098"/>
+          </a:xfrm>
+          <a:prstGeom prst="rect">
+            <a:avLst/>
+          </a:prstGeom>
+          <a:noFill/>
+          <a:ln>
+            <a:noFill/>
+          </a:ln>
+        </p:spPr>
+        <p:txBody>
+          <a:bodyPr spcFirstLastPara="1" wrap="square" lIns="91425" tIns="45700" rIns="91425" bIns="45700" anchor="ctr" anchorCtr="0">
+            <a:noAutofit/>
+          </a:bodyPr>
+          <a:lstStyle/>
+          <a:p>
+            <a:pPr marL="0" marR="0" lvl="0" indent="0" algn="r" rtl="0">
+              <a:spcBef>
+                <a:spcPts val="0"/>
+              </a:spcBef>
+              <a:spcAft>
+                <a:spcPts val="0"/>
+              </a:spcAft>
+              <a:buClr>
+                <a:schemeClr val="lt1"/>
+              </a:buClr>
+              <a:buSzPts val="2800"/>
+              <a:buFont typeface="Trebuchet MS"/>
+              <a:buNone/>
+            </a:pPr>
+            <a:r>
+              <a:rPr lang="ru-RU" sz="2800" b="1" dirty="0">
+                <a:solidFill>
+                  <a:schemeClr val="lt1"/>
+                </a:solidFill>
+                <a:latin typeface="Trebuchet MS"/>
+                <a:sym typeface="Trebuchet MS"/>
+              </a:rPr>
+              <a:t>Тестирование</a:t>
+            </a:r>
+            <a:endParaRPr dirty="0"/>
+          </a:p>
+        </p:txBody>
+      </p:sp>
+      <p:pic>
+        <p:nvPicPr>
+          <p:cNvPr id="225" name="Google Shape;225;p12"/>
+          <p:cNvPicPr preferRelativeResize="0"/>
+          <p:nvPr/>
+        </p:nvPicPr>
+        <p:blipFill rotWithShape="1">
+          <a:blip r:embed="rId5">
+            <a:alphaModFix/>
+          </a:blip>
+          <a:srcRect/>
+          <a:stretch/>
+        </p:blipFill>
+        <p:spPr>
+          <a:xfrm>
+            <a:off x="323528" y="240480"/>
+            <a:ext cx="1935499" cy="546957"/>
+          </a:xfrm>
+          <a:prstGeom prst="rect">
+            <a:avLst/>
+          </a:prstGeom>
+          <a:noFill/>
+          <a:ln>
+            <a:noFill/>
+          </a:ln>
+        </p:spPr>
+      </p:pic>
+      <p:sp>
+        <p:nvSpPr>
+          <p:cNvPr id="227" name="Google Shape;227;p12"/>
+          <p:cNvSpPr txBox="1"/>
+          <p:nvPr/>
+        </p:nvSpPr>
+        <p:spPr>
+          <a:xfrm>
+            <a:off x="6902896" y="6481762"/>
+            <a:ext cx="2133600" cy="365125"/>
+          </a:xfrm>
+          <a:prstGeom prst="rect">
+            <a:avLst/>
+          </a:prstGeom>
+          <a:noFill/>
+          <a:ln>
+            <a:noFill/>
+          </a:ln>
+        </p:spPr>
+        <p:txBody>
+          <a:bodyPr spcFirstLastPara="1" wrap="square" lIns="91425" tIns="45700" rIns="91425" bIns="45700" anchor="ctr" anchorCtr="0">
+            <a:noAutofit/>
+          </a:bodyPr>
+          <a:lstStyle/>
+          <a:p>
+            <a:pPr marL="0" marR="0" lvl="0" indent="0" algn="r" rtl="0">
+              <a:spcBef>
+                <a:spcPts val="0"/>
+              </a:spcBef>
+              <a:spcAft>
+                <a:spcPts val="0"/>
+              </a:spcAft>
+              <a:buNone/>
+            </a:pPr>
+            <a:fld id="{00000000-1234-1234-1234-123412341234}" type="slidenum">
+              <a:rPr lang="ru-RU" sz="1400">
+                <a:solidFill>
+                  <a:srgbClr val="D8D8D8"/>
+                </a:solidFill>
+                <a:latin typeface="Trebuchet MS"/>
+                <a:ea typeface="Trebuchet MS"/>
+                <a:cs typeface="Trebuchet MS"/>
+                <a:sym typeface="Trebuchet MS"/>
+              </a:rPr>
+              <a:t>13</a:t>
+            </a:fld>
+            <a:endParaRPr sz="1400">
+              <a:solidFill>
+                <a:srgbClr val="D8D8D8"/>
+              </a:solidFill>
+              <a:latin typeface="Trebuchet MS"/>
+              <a:ea typeface="Trebuchet MS"/>
+              <a:cs typeface="Trebuchet MS"/>
+              <a:sym typeface="Trebuchet MS"/>
+            </a:endParaRPr>
+          </a:p>
+        </p:txBody>
+      </p:sp>
+      <p:sp>
+        <p:nvSpPr>
+          <p:cNvPr id="5" name="Заголовок 4">
+            <a:extLst>
+              <a:ext uri="{FF2B5EF4-FFF2-40B4-BE49-F238E27FC236}">
+                <a16:creationId xmlns:a16="http://schemas.microsoft.com/office/drawing/2014/main" id="{6E71D197-C3F6-48E2-A54A-4ED9663E3C03}"/>
+              </a:ext>
+            </a:extLst>
+          </p:cNvPr>
+          <p:cNvSpPr>
+            <a:spLocks noGrp="1"/>
+          </p:cNvSpPr>
+          <p:nvPr>
+            <p:ph type="title"/>
+          </p:nvPr>
+        </p:nvSpPr>
+        <p:spPr>
+          <a:xfrm>
+            <a:off x="457198" y="719434"/>
+            <a:ext cx="8229600" cy="1143000"/>
+          </a:xfrm>
+        </p:spPr>
+        <p:txBody>
+          <a:bodyPr>
+            <a:noAutofit/>
+          </a:bodyPr>
+          <a:lstStyle/>
+          <a:p>
+            <a:r>
+              <a:rPr lang="ru-RU" sz="2400" dirty="0"/>
+              <a:t>Тестирование с размерами матриц </a:t>
+            </a:r>
+            <a:r>
+              <a:rPr lang="en-US" sz="2400" dirty="0"/>
+              <a:t>3x3 </a:t>
+            </a:r>
+            <a:r>
+              <a:rPr lang="ru-RU" sz="2400" dirty="0"/>
+              <a:t>и 7х7</a:t>
+            </a:r>
+          </a:p>
+        </p:txBody>
+      </p:sp>
+      <p:pic>
+        <p:nvPicPr>
+          <p:cNvPr id="4" name="Рисунок 3">
+            <a:extLst>
+              <a:ext uri="{FF2B5EF4-FFF2-40B4-BE49-F238E27FC236}">
+                <a16:creationId xmlns:a16="http://schemas.microsoft.com/office/drawing/2014/main" id="{F8F253E6-0831-4570-9A6E-ACBD9E53A008}"/>
+              </a:ext>
+            </a:extLst>
+          </p:cNvPr>
+          <p:cNvPicPr>
+            <a:picLocks noChangeAspect="1"/>
+          </p:cNvPicPr>
+          <p:nvPr/>
+        </p:nvPicPr>
+        <p:blipFill>
+          <a:blip r:embed="rId6"/>
+          <a:stretch>
+            <a:fillRect/>
+          </a:stretch>
+        </p:blipFill>
+        <p:spPr>
+          <a:xfrm>
+            <a:off x="1711235" y="1862434"/>
+            <a:ext cx="5540620" cy="2184875"/>
+          </a:xfrm>
+          <a:prstGeom prst="rect">
+            <a:avLst/>
+          </a:prstGeom>
+        </p:spPr>
+      </p:pic>
+      <p:pic>
+        <p:nvPicPr>
+          <p:cNvPr id="7" name="Рисунок 6">
+            <a:extLst>
+              <a:ext uri="{FF2B5EF4-FFF2-40B4-BE49-F238E27FC236}">
+                <a16:creationId xmlns:a16="http://schemas.microsoft.com/office/drawing/2014/main" id="{AF6E904B-3B99-4E36-ADA5-823E9F1A3D2F}"/>
+              </a:ext>
+            </a:extLst>
+          </p:cNvPr>
+          <p:cNvPicPr>
+            <a:picLocks noChangeAspect="1"/>
+          </p:cNvPicPr>
+          <p:nvPr/>
+        </p:nvPicPr>
+        <p:blipFill>
+          <a:blip r:embed="rId7"/>
+          <a:stretch>
+            <a:fillRect/>
+          </a:stretch>
+        </p:blipFill>
+        <p:spPr>
+          <a:xfrm>
+            <a:off x="1837612" y="4168196"/>
+            <a:ext cx="5468771" cy="2208661"/>
+          </a:xfrm>
+          <a:prstGeom prst="rect">
+            <a:avLst/>
+          </a:prstGeom>
+        </p:spPr>
+      </p:pic>
+    </p:spTree>
+    <p:extLst>
+      <p:ext uri="{BB962C8B-B14F-4D97-AF65-F5344CB8AC3E}">
+        <p14:creationId xmlns:p14="http://schemas.microsoft.com/office/powerpoint/2010/main" val="2718438824"/>
+      </p:ext>
+    </p:extLst>
+  </p:cSld>
+  <p:clrMapOvr>
+    <a:masterClrMapping/>
+  </p:clrMapOvr>
+</p:sld>
+</file>
+
+<file path=ppt/slides/slide14.xml><?xml version="1.0" encoding="utf-8"?>
+<p:sld xmlns:a="http://schemas.openxmlformats.org/drawingml/2006/main" xmlns:r="http://schemas.openxmlformats.org/officeDocument/2006/relationships" xmlns:p="http://schemas.openxmlformats.org/presentationml/2006/main">
+  <p:cSld>
+    <p:spTree>
+      <p:nvGrpSpPr>
+        <p:cNvPr id="1" name="Shape 221"/>
+        <p:cNvGrpSpPr/>
+        <p:nvPr/>
+      </p:nvGrpSpPr>
+      <p:grpSpPr>
+        <a:xfrm>
+          <a:off x="0" y="0"/>
+          <a:ext cx="0" cy="0"/>
+          <a:chOff x="0" y="0"/>
+          <a:chExt cx="0" cy="0"/>
+        </a:xfrm>
+      </p:grpSpPr>
+      <p:pic>
+        <p:nvPicPr>
+          <p:cNvPr id="222" name="Google Shape;222;p12"/>
+          <p:cNvPicPr preferRelativeResize="0"/>
+          <p:nvPr/>
+        </p:nvPicPr>
+        <p:blipFill rotWithShape="1">
+          <a:blip r:embed="rId3">
+            <a:alphaModFix/>
+          </a:blip>
+          <a:srcRect/>
+          <a:stretch/>
+        </p:blipFill>
+        <p:spPr>
+          <a:xfrm>
+            <a:off x="-1" y="0"/>
+            <a:ext cx="9144001" cy="1050454"/>
+          </a:xfrm>
+          <a:prstGeom prst="rect">
+            <a:avLst/>
+          </a:prstGeom>
+          <a:noFill/>
+          <a:ln>
+            <a:noFill/>
+          </a:ln>
+        </p:spPr>
+      </p:pic>
+      <p:pic>
+        <p:nvPicPr>
+          <p:cNvPr id="223" name="Google Shape;223;p12"/>
+          <p:cNvPicPr preferRelativeResize="0"/>
+          <p:nvPr/>
+        </p:nvPicPr>
+        <p:blipFill rotWithShape="1">
+          <a:blip r:embed="rId4">
+            <a:alphaModFix/>
+          </a:blip>
+          <a:srcRect/>
+          <a:stretch/>
+        </p:blipFill>
+        <p:spPr>
+          <a:xfrm>
+            <a:off x="-3" y="6465887"/>
+            <a:ext cx="9144003" cy="402381"/>
+          </a:xfrm>
+          <a:prstGeom prst="rect">
+            <a:avLst/>
+          </a:prstGeom>
+          <a:noFill/>
+          <a:ln>
+            <a:noFill/>
+          </a:ln>
+        </p:spPr>
+      </p:pic>
+      <p:sp>
+        <p:nvSpPr>
+          <p:cNvPr id="224" name="Google Shape;224;p12"/>
+          <p:cNvSpPr txBox="1"/>
+          <p:nvPr/>
+        </p:nvSpPr>
+        <p:spPr>
+          <a:xfrm>
+            <a:off x="734888" y="124909"/>
+            <a:ext cx="8229600" cy="778098"/>
+          </a:xfrm>
+          <a:prstGeom prst="rect">
+            <a:avLst/>
+          </a:prstGeom>
+          <a:noFill/>
+          <a:ln>
+            <a:noFill/>
+          </a:ln>
+        </p:spPr>
+        <p:txBody>
+          <a:bodyPr spcFirstLastPara="1" wrap="square" lIns="91425" tIns="45700" rIns="91425" bIns="45700" anchor="ctr" anchorCtr="0">
+            <a:noAutofit/>
+          </a:bodyPr>
+          <a:lstStyle/>
+          <a:p>
+            <a:pPr marL="0" marR="0" lvl="0" indent="0" algn="r" rtl="0">
+              <a:spcBef>
+                <a:spcPts val="0"/>
+              </a:spcBef>
+              <a:spcAft>
+                <a:spcPts val="0"/>
+              </a:spcAft>
+              <a:buClr>
+                <a:schemeClr val="lt1"/>
+              </a:buClr>
+              <a:buSzPts val="2800"/>
+              <a:buFont typeface="Trebuchet MS"/>
+              <a:buNone/>
+            </a:pPr>
+            <a:r>
+              <a:rPr lang="ru-RU" sz="2800" b="1" dirty="0">
+                <a:solidFill>
+                  <a:schemeClr val="lt1"/>
+                </a:solidFill>
+                <a:latin typeface="Trebuchet MS"/>
+                <a:sym typeface="Trebuchet MS"/>
+              </a:rPr>
+              <a:t>Тестирование</a:t>
+            </a:r>
+            <a:endParaRPr dirty="0"/>
+          </a:p>
+        </p:txBody>
+      </p:sp>
+      <p:pic>
+        <p:nvPicPr>
+          <p:cNvPr id="225" name="Google Shape;225;p12"/>
+          <p:cNvPicPr preferRelativeResize="0"/>
+          <p:nvPr/>
+        </p:nvPicPr>
+        <p:blipFill rotWithShape="1">
+          <a:blip r:embed="rId5">
+            <a:alphaModFix/>
+          </a:blip>
+          <a:srcRect/>
+          <a:stretch/>
+        </p:blipFill>
+        <p:spPr>
+          <a:xfrm>
+            <a:off x="323528" y="240480"/>
+            <a:ext cx="1935499" cy="546957"/>
+          </a:xfrm>
+          <a:prstGeom prst="rect">
+            <a:avLst/>
+          </a:prstGeom>
+          <a:noFill/>
+          <a:ln>
+            <a:noFill/>
+          </a:ln>
+        </p:spPr>
+      </p:pic>
+      <p:sp>
+        <p:nvSpPr>
+          <p:cNvPr id="227" name="Google Shape;227;p12"/>
+          <p:cNvSpPr txBox="1"/>
+          <p:nvPr/>
+        </p:nvSpPr>
+        <p:spPr>
+          <a:xfrm>
+            <a:off x="6902896" y="6481762"/>
+            <a:ext cx="2133600" cy="365125"/>
+          </a:xfrm>
+          <a:prstGeom prst="rect">
+            <a:avLst/>
+          </a:prstGeom>
+          <a:noFill/>
+          <a:ln>
+            <a:noFill/>
+          </a:ln>
+        </p:spPr>
+        <p:txBody>
+          <a:bodyPr spcFirstLastPara="1" wrap="square" lIns="91425" tIns="45700" rIns="91425" bIns="45700" anchor="ctr" anchorCtr="0">
+            <a:noAutofit/>
+          </a:bodyPr>
+          <a:lstStyle/>
+          <a:p>
+            <a:pPr marL="0" marR="0" lvl="0" indent="0" algn="r" rtl="0">
+              <a:spcBef>
+                <a:spcPts val="0"/>
+              </a:spcBef>
+              <a:spcAft>
+                <a:spcPts val="0"/>
+              </a:spcAft>
+              <a:buNone/>
+            </a:pPr>
+            <a:fld id="{00000000-1234-1234-1234-123412341234}" type="slidenum">
+              <a:rPr lang="ru-RU" sz="1400">
+                <a:solidFill>
+                  <a:srgbClr val="D8D8D8"/>
+                </a:solidFill>
+                <a:latin typeface="Trebuchet MS"/>
+                <a:ea typeface="Trebuchet MS"/>
+                <a:cs typeface="Trebuchet MS"/>
+                <a:sym typeface="Trebuchet MS"/>
+              </a:rPr>
+              <a:t>14</a:t>
+            </a:fld>
+            <a:endParaRPr sz="1400">
+              <a:solidFill>
+                <a:srgbClr val="D8D8D8"/>
+              </a:solidFill>
+              <a:latin typeface="Trebuchet MS"/>
+              <a:ea typeface="Trebuchet MS"/>
+              <a:cs typeface="Trebuchet MS"/>
+              <a:sym typeface="Trebuchet MS"/>
+            </a:endParaRPr>
+          </a:p>
+        </p:txBody>
+      </p:sp>
+      <p:sp>
+        <p:nvSpPr>
+          <p:cNvPr id="5" name="Заголовок 4">
+            <a:extLst>
+              <a:ext uri="{FF2B5EF4-FFF2-40B4-BE49-F238E27FC236}">
+                <a16:creationId xmlns:a16="http://schemas.microsoft.com/office/drawing/2014/main" id="{6E71D197-C3F6-48E2-A54A-4ED9663E3C03}"/>
+              </a:ext>
+            </a:extLst>
+          </p:cNvPr>
+          <p:cNvSpPr>
+            <a:spLocks noGrp="1"/>
+          </p:cNvSpPr>
+          <p:nvPr>
+            <p:ph type="title"/>
+          </p:nvPr>
+        </p:nvSpPr>
+        <p:spPr>
+          <a:xfrm>
+            <a:off x="457198" y="719434"/>
+            <a:ext cx="8229600" cy="1143000"/>
+          </a:xfrm>
+        </p:spPr>
+        <p:txBody>
+          <a:bodyPr>
+            <a:noAutofit/>
+          </a:bodyPr>
+          <a:lstStyle/>
+          <a:p>
+            <a:r>
+              <a:rPr lang="ru-RU" sz="2400" dirty="0"/>
+              <a:t>Тестирование с размерами матриц </a:t>
+            </a:r>
+            <a:r>
+              <a:rPr lang="en-US" sz="2400" dirty="0"/>
+              <a:t>3x3 </a:t>
+            </a:r>
+            <a:r>
+              <a:rPr lang="ru-RU" sz="2400" dirty="0"/>
+              <a:t>и 7х7</a:t>
+            </a:r>
+          </a:p>
+        </p:txBody>
+      </p:sp>
+      <p:pic>
+        <p:nvPicPr>
+          <p:cNvPr id="3" name="Рисунок 2">
+            <a:extLst>
+              <a:ext uri="{FF2B5EF4-FFF2-40B4-BE49-F238E27FC236}">
+                <a16:creationId xmlns:a16="http://schemas.microsoft.com/office/drawing/2014/main" id="{2BD623AF-3F3A-4FF0-816D-B63DC7F13CA4}"/>
+              </a:ext>
+            </a:extLst>
+          </p:cNvPr>
+          <p:cNvPicPr>
+            <a:picLocks noChangeAspect="1"/>
+          </p:cNvPicPr>
+          <p:nvPr/>
+        </p:nvPicPr>
+        <p:blipFill>
+          <a:blip r:embed="rId6"/>
+          <a:stretch>
+            <a:fillRect/>
+          </a:stretch>
+        </p:blipFill>
+        <p:spPr>
+          <a:xfrm>
+            <a:off x="0" y="2023754"/>
+            <a:ext cx="4572000" cy="1405247"/>
+          </a:xfrm>
+          <a:prstGeom prst="rect">
+            <a:avLst/>
+          </a:prstGeom>
+        </p:spPr>
+      </p:pic>
+      <p:pic>
+        <p:nvPicPr>
+          <p:cNvPr id="8" name="Рисунок 7">
+            <a:extLst>
+              <a:ext uri="{FF2B5EF4-FFF2-40B4-BE49-F238E27FC236}">
+                <a16:creationId xmlns:a16="http://schemas.microsoft.com/office/drawing/2014/main" id="{24EB9A09-2CB5-4EA9-BF6B-198F462DBDF2}"/>
+              </a:ext>
+            </a:extLst>
+          </p:cNvPr>
+          <p:cNvPicPr>
+            <a:picLocks noChangeAspect="1"/>
+          </p:cNvPicPr>
+          <p:nvPr/>
+        </p:nvPicPr>
+        <p:blipFill>
+          <a:blip r:embed="rId7"/>
+          <a:stretch>
+            <a:fillRect/>
+          </a:stretch>
+        </p:blipFill>
+        <p:spPr>
+          <a:xfrm>
+            <a:off x="4723712" y="2051191"/>
+            <a:ext cx="4420288" cy="1332090"/>
+          </a:xfrm>
+          <a:prstGeom prst="rect">
+            <a:avLst/>
+          </a:prstGeom>
+        </p:spPr>
+      </p:pic>
+      <p:pic>
+        <p:nvPicPr>
+          <p:cNvPr id="10" name="Рисунок 9">
+            <a:extLst>
+              <a:ext uri="{FF2B5EF4-FFF2-40B4-BE49-F238E27FC236}">
+                <a16:creationId xmlns:a16="http://schemas.microsoft.com/office/drawing/2014/main" id="{BD6CC9BB-71EC-4049-8F9F-9DF5B71B5E8B}"/>
+              </a:ext>
+            </a:extLst>
+          </p:cNvPr>
+          <p:cNvPicPr>
+            <a:picLocks noChangeAspect="1"/>
+          </p:cNvPicPr>
+          <p:nvPr/>
+        </p:nvPicPr>
+        <p:blipFill>
+          <a:blip r:embed="rId8"/>
+          <a:stretch>
+            <a:fillRect/>
+          </a:stretch>
+        </p:blipFill>
+        <p:spPr>
+          <a:xfrm>
+            <a:off x="0" y="3767329"/>
+            <a:ext cx="4723712" cy="1464146"/>
+          </a:xfrm>
+          <a:prstGeom prst="rect">
+            <a:avLst/>
+          </a:prstGeom>
+        </p:spPr>
+      </p:pic>
+      <p:pic>
+        <p:nvPicPr>
+          <p:cNvPr id="12" name="Рисунок 11">
+            <a:extLst>
+              <a:ext uri="{FF2B5EF4-FFF2-40B4-BE49-F238E27FC236}">
+                <a16:creationId xmlns:a16="http://schemas.microsoft.com/office/drawing/2014/main" id="{62D9714E-E3FD-408D-8017-CE632514D293}"/>
+              </a:ext>
+            </a:extLst>
+          </p:cNvPr>
+          <p:cNvPicPr>
+            <a:picLocks noChangeAspect="1"/>
+          </p:cNvPicPr>
+          <p:nvPr/>
+        </p:nvPicPr>
+        <p:blipFill>
+          <a:blip r:embed="rId9"/>
+          <a:stretch>
+            <a:fillRect/>
+          </a:stretch>
+        </p:blipFill>
+        <p:spPr>
+          <a:xfrm>
+            <a:off x="4638962" y="3788225"/>
+            <a:ext cx="4505037" cy="1384665"/>
+          </a:xfrm>
+          <a:prstGeom prst="rect">
+            <a:avLst/>
+          </a:prstGeom>
+        </p:spPr>
+      </p:pic>
+    </p:spTree>
+    <p:extLst>
+      <p:ext uri="{BB962C8B-B14F-4D97-AF65-F5344CB8AC3E}">
+        <p14:creationId xmlns:p14="http://schemas.microsoft.com/office/powerpoint/2010/main" val="3002304018"/>
+      </p:ext>
+    </p:extLst>
+  </p:cSld>
+  <p:clrMapOvr>
+    <a:masterClrMapping/>
+  </p:clrMapOvr>
+</p:sld>
+</file>
+
+<file path=ppt/slides/slide15.xml><?xml version="1.0" encoding="utf-8"?>
+<p:sld xmlns:a="http://schemas.openxmlformats.org/drawingml/2006/main" xmlns:r="http://schemas.openxmlformats.org/officeDocument/2006/relationships" xmlns:p="http://schemas.openxmlformats.org/presentationml/2006/main">
+  <p:cSld>
+    <p:spTree>
+      <p:nvGrpSpPr>
+        <p:cNvPr id="1" name="Shape 221"/>
+        <p:cNvGrpSpPr/>
+        <p:nvPr/>
+      </p:nvGrpSpPr>
+      <p:grpSpPr>
+        <a:xfrm>
+          <a:off x="0" y="0"/>
+          <a:ext cx="0" cy="0"/>
+          <a:chOff x="0" y="0"/>
+          <a:chExt cx="0" cy="0"/>
+        </a:xfrm>
+      </p:grpSpPr>
+      <p:pic>
+        <p:nvPicPr>
+          <p:cNvPr id="222" name="Google Shape;222;p12"/>
+          <p:cNvPicPr preferRelativeResize="0"/>
+          <p:nvPr/>
+        </p:nvPicPr>
+        <p:blipFill rotWithShape="1">
+          <a:blip r:embed="rId3">
+            <a:alphaModFix/>
+          </a:blip>
+          <a:srcRect/>
+          <a:stretch/>
+        </p:blipFill>
+        <p:spPr>
+          <a:xfrm>
+            <a:off x="-1" y="0"/>
+            <a:ext cx="9144001" cy="1050454"/>
+          </a:xfrm>
+          <a:prstGeom prst="rect">
+            <a:avLst/>
+          </a:prstGeom>
+          <a:noFill/>
+          <a:ln>
+            <a:noFill/>
+          </a:ln>
+        </p:spPr>
+      </p:pic>
+      <p:pic>
+        <p:nvPicPr>
+          <p:cNvPr id="223" name="Google Shape;223;p12"/>
+          <p:cNvPicPr preferRelativeResize="0"/>
+          <p:nvPr/>
+        </p:nvPicPr>
+        <p:blipFill rotWithShape="1">
+          <a:blip r:embed="rId4">
+            <a:alphaModFix/>
+          </a:blip>
+          <a:srcRect/>
+          <a:stretch/>
+        </p:blipFill>
+        <p:spPr>
+          <a:xfrm>
+            <a:off x="-3" y="6465887"/>
+            <a:ext cx="9144003" cy="402381"/>
+          </a:xfrm>
+          <a:prstGeom prst="rect">
+            <a:avLst/>
+          </a:prstGeom>
+          <a:noFill/>
+          <a:ln>
+            <a:noFill/>
+          </a:ln>
+        </p:spPr>
+      </p:pic>
+      <p:sp>
+        <p:nvSpPr>
+          <p:cNvPr id="224" name="Google Shape;224;p12"/>
+          <p:cNvSpPr txBox="1"/>
+          <p:nvPr/>
+        </p:nvSpPr>
+        <p:spPr>
+          <a:xfrm>
+            <a:off x="734888" y="124909"/>
+            <a:ext cx="8229600" cy="778098"/>
+          </a:xfrm>
+          <a:prstGeom prst="rect">
+            <a:avLst/>
+          </a:prstGeom>
+          <a:noFill/>
+          <a:ln>
+            <a:noFill/>
+          </a:ln>
+        </p:spPr>
+        <p:txBody>
+          <a:bodyPr spcFirstLastPara="1" wrap="square" lIns="91425" tIns="45700" rIns="91425" bIns="45700" anchor="ctr" anchorCtr="0">
+            <a:noAutofit/>
+          </a:bodyPr>
+          <a:lstStyle/>
+          <a:p>
+            <a:pPr marL="0" marR="0" lvl="0" indent="0" algn="r" rtl="0">
+              <a:spcBef>
+                <a:spcPts val="0"/>
+              </a:spcBef>
+              <a:spcAft>
+                <a:spcPts val="0"/>
+              </a:spcAft>
+              <a:buClr>
+                <a:schemeClr val="lt1"/>
+              </a:buClr>
+              <a:buSzPts val="2800"/>
+              <a:buFont typeface="Trebuchet MS"/>
+              <a:buNone/>
+            </a:pPr>
+            <a:r>
+              <a:rPr lang="ru-RU" sz="2800" b="1" dirty="0">
+                <a:solidFill>
+                  <a:schemeClr val="lt1"/>
+                </a:solidFill>
+                <a:latin typeface="Trebuchet MS"/>
+                <a:sym typeface="Trebuchet MS"/>
+              </a:rPr>
               <a:t>Анализ работы</a:t>
             </a:r>
           </a:p>
@@ -22779,7 +24506,7 @@
                 <a:cs typeface="Trebuchet MS"/>
                 <a:sym typeface="Trebuchet MS"/>
               </a:rPr>
-              <a:t>12</a:t>
+              <a:t>15</a:t>
             </a:fld>
             <a:endParaRPr sz="1400">
               <a:solidFill>
@@ -22940,7 +24667,7 @@
 </p:sld>
 </file>
 
-<file path=ppt/slides/slide13.xml><?xml version="1.0" encoding="utf-8"?>
+<file path=ppt/slides/slide16.xml><?xml version="1.0" encoding="utf-8"?>
 <p:sld xmlns:a="http://schemas.openxmlformats.org/drawingml/2006/main" xmlns:r="http://schemas.openxmlformats.org/officeDocument/2006/relationships" xmlns:p="http://schemas.openxmlformats.org/presentationml/2006/main">
   <p:cSld>
     <p:spTree>
@@ -23214,7 +24941,7 @@
                 <a:cs typeface="Trebuchet MS"/>
                 <a:sym typeface="Trebuchet MS"/>
               </a:rPr>
-              <a:t>13</a:t>
+              <a:t>16</a:t>
             </a:fld>
             <a:endParaRPr sz="1400">
               <a:solidFill>
@@ -23686,7 +25413,7 @@
 </p:sld>
 </file>
 
-<file path=ppt/slides/slide14.xml><?xml version="1.0" encoding="utf-8"?>
+<file path=ppt/slides/slide17.xml><?xml version="1.0" encoding="utf-8"?>
 <p:sld xmlns:a="http://schemas.openxmlformats.org/drawingml/2006/main" xmlns:r="http://schemas.openxmlformats.org/officeDocument/2006/relationships" xmlns:p="http://schemas.openxmlformats.org/presentationml/2006/main">
   <p:cSld>
     <p:spTree>
@@ -24077,7 +25804,7 @@
                 <a:cs typeface="Trebuchet MS"/>
                 <a:sym typeface="Trebuchet MS"/>
               </a:rPr>
-              <a:t>14</a:t>
+              <a:t>17</a:t>
             </a:fld>
             <a:endParaRPr sz="1400">
               <a:solidFill>
@@ -27365,8 +29092,8 @@
         </p:nvSpPr>
         <p:spPr>
           <a:xfrm>
-            <a:off x="1177010" y="1258298"/>
-            <a:ext cx="6792686" cy="1815841"/>
+            <a:off x="323528" y="1252995"/>
+            <a:ext cx="3984923" cy="3046948"/>
           </a:xfrm>
           <a:prstGeom prst="rect">
             <a:avLst/>
@@ -27393,7 +29120,127 @@
                 <a:cs typeface="Calibri"/>
                 <a:sym typeface="Calibri"/>
               </a:rPr>
-              <a:t>Метод состоит в последовательном переборе строк и столбцов транспортной таблицы, начиная с левого столбца и верхней строки, и выписывании максимально возможных отгрузок в соответствующие ячейки таблицы так, чтобы не были превышены заявленные в задаче возможности поставщика или потребности потребителя. На цены доставки в этом методе не обращают внимание, поскольку предполагается дальнейшая оптимизация отгрузок</a:t>
+              <a:t>Метод состоит в последовательном переборе строк и столбцов транспортной таблицы, </a:t>
+            </a:r>
+            <a:r>
+              <a:rPr lang="ru-RU" sz="1600" b="1" dirty="0">
+                <a:solidFill>
+                  <a:schemeClr val="dk1"/>
+                </a:solidFill>
+                <a:latin typeface="Calibri"/>
+                <a:ea typeface="Calibri"/>
+                <a:cs typeface="Calibri"/>
+                <a:sym typeface="Calibri"/>
+              </a:rPr>
+              <a:t>начиная с левого столбца и верхней строки</a:t>
+            </a:r>
+            <a:r>
+              <a:rPr lang="ru-RU" sz="1600" dirty="0">
+                <a:solidFill>
+                  <a:schemeClr val="dk1"/>
+                </a:solidFill>
+                <a:latin typeface="Calibri"/>
+                <a:ea typeface="Calibri"/>
+                <a:cs typeface="Calibri"/>
+                <a:sym typeface="Calibri"/>
+              </a:rPr>
+              <a:t>, и выписывании </a:t>
+            </a:r>
+            <a:r>
+              <a:rPr lang="ru-RU" sz="1600" b="1" dirty="0">
+                <a:solidFill>
+                  <a:schemeClr val="dk1"/>
+                </a:solidFill>
+                <a:latin typeface="Calibri"/>
+                <a:ea typeface="Calibri"/>
+                <a:cs typeface="Calibri"/>
+                <a:sym typeface="Calibri"/>
+              </a:rPr>
+              <a:t>максимально возможных отгрузок</a:t>
+            </a:r>
+            <a:r>
+              <a:rPr lang="ru-RU" sz="1600" dirty="0">
+                <a:solidFill>
+                  <a:schemeClr val="dk1"/>
+                </a:solidFill>
+                <a:latin typeface="Calibri"/>
+                <a:ea typeface="Calibri"/>
+                <a:cs typeface="Calibri"/>
+                <a:sym typeface="Calibri"/>
+              </a:rPr>
+              <a:t> в соответствующие ячейки таблицы так, чтобы </a:t>
+            </a:r>
+            <a:r>
+              <a:rPr lang="ru-RU" sz="1600" b="1" dirty="0">
+                <a:solidFill>
+                  <a:schemeClr val="dk1"/>
+                </a:solidFill>
+                <a:latin typeface="Calibri"/>
+                <a:ea typeface="Calibri"/>
+                <a:cs typeface="Calibri"/>
+                <a:sym typeface="Calibri"/>
+              </a:rPr>
+              <a:t>не были превышены </a:t>
+            </a:r>
+            <a:r>
+              <a:rPr lang="ru-RU" sz="1600" dirty="0">
+                <a:solidFill>
+                  <a:schemeClr val="dk1"/>
+                </a:solidFill>
+                <a:latin typeface="Calibri"/>
+                <a:ea typeface="Calibri"/>
+                <a:cs typeface="Calibri"/>
+                <a:sym typeface="Calibri"/>
+              </a:rPr>
+              <a:t>заявленные в задаче возможности поставщика или потребности потребителя. </a:t>
+            </a:r>
+            <a:r>
+              <a:rPr lang="ru-RU" sz="1600" b="1" dirty="0">
+                <a:solidFill>
+                  <a:schemeClr val="dk1"/>
+                </a:solidFill>
+                <a:latin typeface="Calibri"/>
+                <a:ea typeface="Calibri"/>
+                <a:cs typeface="Calibri"/>
+                <a:sym typeface="Calibri"/>
+              </a:rPr>
+              <a:t>На цены </a:t>
+            </a:r>
+            <a:r>
+              <a:rPr lang="ru-RU" sz="1600" dirty="0">
+                <a:solidFill>
+                  <a:schemeClr val="dk1"/>
+                </a:solidFill>
+                <a:latin typeface="Calibri"/>
+                <a:ea typeface="Calibri"/>
+                <a:cs typeface="Calibri"/>
+                <a:sym typeface="Calibri"/>
+              </a:rPr>
+              <a:t>доставки в этом методе </a:t>
+            </a:r>
+            <a:r>
+              <a:rPr lang="ru-RU" sz="1600" b="1" dirty="0">
+                <a:solidFill>
+                  <a:schemeClr val="dk1"/>
+                </a:solidFill>
+                <a:latin typeface="Calibri"/>
+                <a:ea typeface="Calibri"/>
+                <a:cs typeface="Calibri"/>
+                <a:sym typeface="Calibri"/>
+              </a:rPr>
+              <a:t>не обращают внимание</a:t>
+            </a:r>
+            <a:r>
+              <a:rPr lang="ru-RU" sz="1600" dirty="0">
+                <a:solidFill>
+                  <a:schemeClr val="dk1"/>
+                </a:solidFill>
+                <a:latin typeface="Calibri"/>
+                <a:ea typeface="Calibri"/>
+                <a:cs typeface="Calibri"/>
+                <a:sym typeface="Calibri"/>
+              </a:rPr>
+              <a:t>, поскольку предполагается дальнейшая оптимизация отгрузок</a:t>
             </a:r>
             <a:endParaRPr sz="1600" dirty="0">
               <a:solidFill>
@@ -27467,49 +29314,32 @@
       </p:sp>
       <p:pic>
         <p:nvPicPr>
-          <p:cNvPr id="3074" name="Picture 2" descr="Метод северо – западного угла.">
+          <p:cNvPr id="3" name="Рисунок 2">
             <a:extLst>
               <a:ext uri="{FF2B5EF4-FFF2-40B4-BE49-F238E27FC236}">
-                <a16:creationId xmlns:a16="http://schemas.microsoft.com/office/drawing/2014/main" id="{BE98A863-A978-425F-9E19-5C2BA2E07EF4}"/>
+                <a16:creationId xmlns:a16="http://schemas.microsoft.com/office/drawing/2014/main" id="{A8C21070-D694-42A3-A600-7B5BD72104E1}"/>
               </a:ext>
             </a:extLst>
           </p:cNvPr>
           <p:cNvPicPr>
-            <a:picLocks noChangeAspect="1" noChangeArrowheads="1"/>
+            <a:picLocks noChangeAspect="1"/>
           </p:cNvPicPr>
           <p:nvPr/>
         </p:nvPicPr>
         <p:blipFill>
-          <a:blip r:embed="rId6">
-            <a:extLst>
-              <a:ext uri="{28A0092B-C50C-407E-A947-70E740481C1C}">
-                <a14:useLocalDpi xmlns:a14="http://schemas.microsoft.com/office/drawing/2010/main" val="0"/>
-              </a:ext>
-            </a:extLst>
-          </a:blip>
-          <a:srcRect/>
+          <a:blip r:embed="rId6"/>
           <a:stretch>
             <a:fillRect/>
           </a:stretch>
         </p:blipFill>
-        <p:spPr bwMode="auto">
+        <p:spPr>
           <a:xfrm>
-            <a:off x="1409698" y="3522097"/>
-            <a:ext cx="6324600" cy="2047875"/>
+            <a:off x="4308451" y="1175363"/>
+            <a:ext cx="4373880" cy="5087983"/>
           </a:xfrm>
           <a:prstGeom prst="rect">
             <a:avLst/>
           </a:prstGeom>
-          <a:noFill/>
-          <a:extLst>
-            <a:ext uri="{909E8E84-426E-40DD-AFC4-6F175D3DCCD1}">
-              <a14:hiddenFill xmlns:a14="http://schemas.microsoft.com/office/drawing/2010/main">
-                <a:solidFill>
-                  <a:srgbClr val="FFFFFF"/>
-                </a:solidFill>
-              </a14:hiddenFill>
-            </a:ext>
-          </a:extLst>
         </p:spPr>
       </p:pic>
     </p:spTree>
@@ -27772,8 +29602,8 @@
         </p:nvSpPr>
         <p:spPr>
           <a:xfrm>
-            <a:off x="1177009" y="1258298"/>
-            <a:ext cx="6908899" cy="2923837"/>
+            <a:off x="411480" y="1290934"/>
+            <a:ext cx="3781697" cy="4431942"/>
           </a:xfrm>
           <a:prstGeom prst="rect">
             <a:avLst/>
@@ -27791,33 +29621,137 @@
           <a:p>
             <a:pPr lvl="0" algn="just"/>
             <a:r>
-              <a:rPr lang="ru-RU" dirty="0"/>
-              <a:t>Ключевая идея заключается в следующем: определяем ячейку транспортной таблицы с наименьшим значением тарифа на перевозку груза (если окажется, что есть несколько ячеек с одинаковыми и минимальными тарифами — выбираем любую из них). В эту ячейку выписываем максимально возможный объем груза, который можно доставить с соответствующего этой ячейке склада на соответствующий завод.</a:t>
+              <a:rPr lang="ru-RU" dirty="0">
+                <a:latin typeface="Calibri" panose="020F0502020204030204" pitchFamily="34" charset="0"/>
+                <a:ea typeface="Calibri" panose="020F0502020204030204" pitchFamily="34" charset="0"/>
+                <a:cs typeface="Calibri" panose="020F0502020204030204" pitchFamily="34" charset="0"/>
+              </a:rPr>
+              <a:t>Ключевая идея заключается в следующем: определяем ячейку транспортной таблицы с </a:t>
+            </a:r>
+            <a:r>
+              <a:rPr lang="ru-RU" b="1" dirty="0">
+                <a:latin typeface="Calibri" panose="020F0502020204030204" pitchFamily="34" charset="0"/>
+                <a:ea typeface="Calibri" panose="020F0502020204030204" pitchFamily="34" charset="0"/>
+                <a:cs typeface="Calibri" panose="020F0502020204030204" pitchFamily="34" charset="0"/>
+              </a:rPr>
+              <a:t>наименьшим значением тарифа </a:t>
+            </a:r>
+            <a:r>
+              <a:rPr lang="ru-RU" dirty="0">
+                <a:latin typeface="Calibri" panose="020F0502020204030204" pitchFamily="34" charset="0"/>
+                <a:ea typeface="Calibri" panose="020F0502020204030204" pitchFamily="34" charset="0"/>
+                <a:cs typeface="Calibri" panose="020F0502020204030204" pitchFamily="34" charset="0"/>
+              </a:rPr>
+              <a:t>на перевозку груза (если окажется, что есть несколько ячеек с одинаковыми и минимальными тарифами — выбираем любую из них). В эту ячейку выписываем </a:t>
+            </a:r>
+            <a:r>
+              <a:rPr lang="ru-RU" b="1" dirty="0">
+                <a:latin typeface="Calibri" panose="020F0502020204030204" pitchFamily="34" charset="0"/>
+                <a:ea typeface="Calibri" panose="020F0502020204030204" pitchFamily="34" charset="0"/>
+                <a:cs typeface="Calibri" panose="020F0502020204030204" pitchFamily="34" charset="0"/>
+              </a:rPr>
+              <a:t>максимально возможный объем груза</a:t>
+            </a:r>
+            <a:r>
+              <a:rPr lang="ru-RU" dirty="0">
+                <a:latin typeface="Calibri" panose="020F0502020204030204" pitchFamily="34" charset="0"/>
+                <a:ea typeface="Calibri" panose="020F0502020204030204" pitchFamily="34" charset="0"/>
+                <a:cs typeface="Calibri" panose="020F0502020204030204" pitchFamily="34" charset="0"/>
+              </a:rPr>
+              <a:t>, который можно доставить с соответствующего этой ячейке склада на соответствующий завод.</a:t>
             </a:r>
             <a:br>
-              <a:rPr lang="ru-RU" sz="1600" dirty="0"/>
+              <a:rPr lang="ru-RU" sz="1600" dirty="0">
+                <a:latin typeface="Calibri" panose="020F0502020204030204" pitchFamily="34" charset="0"/>
+                <a:ea typeface="Calibri" panose="020F0502020204030204" pitchFamily="34" charset="0"/>
+                <a:cs typeface="Calibri" panose="020F0502020204030204" pitchFamily="34" charset="0"/>
+              </a:rPr>
             </a:br>
             <a:r>
-              <a:rPr lang="ru-RU" dirty="0"/>
-              <a:t>Объемы запасов и потребностей уменьшаются на величину груза. Если запасы склада исчерпаны, то полностью вычеркиваем эту строку таблицы. Если потребности завода полностью удовлетворены — полностью вычеркиваем этот столбец таблицы.</a:t>
+              <a:rPr lang="ru-RU" dirty="0">
+                <a:latin typeface="Calibri" panose="020F0502020204030204" pitchFamily="34" charset="0"/>
+                <a:ea typeface="Calibri" panose="020F0502020204030204" pitchFamily="34" charset="0"/>
+                <a:cs typeface="Calibri" panose="020F0502020204030204" pitchFamily="34" charset="0"/>
+              </a:rPr>
+              <a:t>Объемы запасов и потребностей </a:t>
+            </a:r>
+            <a:r>
+              <a:rPr lang="ru-RU" b="1" dirty="0">
+                <a:latin typeface="Calibri" panose="020F0502020204030204" pitchFamily="34" charset="0"/>
+                <a:ea typeface="Calibri" panose="020F0502020204030204" pitchFamily="34" charset="0"/>
+                <a:cs typeface="Calibri" panose="020F0502020204030204" pitchFamily="34" charset="0"/>
+              </a:rPr>
+              <a:t>уменьшаются на величину </a:t>
+            </a:r>
+            <a:r>
+              <a:rPr lang="ru-RU" dirty="0">
+                <a:latin typeface="Calibri" panose="020F0502020204030204" pitchFamily="34" charset="0"/>
+                <a:ea typeface="Calibri" panose="020F0502020204030204" pitchFamily="34" charset="0"/>
+                <a:cs typeface="Calibri" panose="020F0502020204030204" pitchFamily="34" charset="0"/>
+              </a:rPr>
+              <a:t>груза. Если запасы склада исчерпаны, то полностью </a:t>
+            </a:r>
+            <a:r>
+              <a:rPr lang="ru-RU" b="1" dirty="0">
+                <a:latin typeface="Calibri" panose="020F0502020204030204" pitchFamily="34" charset="0"/>
+                <a:ea typeface="Calibri" panose="020F0502020204030204" pitchFamily="34" charset="0"/>
+                <a:cs typeface="Calibri" panose="020F0502020204030204" pitchFamily="34" charset="0"/>
+              </a:rPr>
+              <a:t>вычеркиваем эту строку </a:t>
+            </a:r>
+            <a:r>
+              <a:rPr lang="ru-RU" dirty="0">
+                <a:latin typeface="Calibri" panose="020F0502020204030204" pitchFamily="34" charset="0"/>
+                <a:ea typeface="Calibri" panose="020F0502020204030204" pitchFamily="34" charset="0"/>
+                <a:cs typeface="Calibri" panose="020F0502020204030204" pitchFamily="34" charset="0"/>
+              </a:rPr>
+              <a:t>таблицы. Если потребности завода полностью удовлетворены — полностью </a:t>
+            </a:r>
+            <a:r>
+              <a:rPr lang="ru-RU" b="1" dirty="0">
+                <a:latin typeface="Calibri" panose="020F0502020204030204" pitchFamily="34" charset="0"/>
+                <a:ea typeface="Calibri" panose="020F0502020204030204" pitchFamily="34" charset="0"/>
+                <a:cs typeface="Calibri" panose="020F0502020204030204" pitchFamily="34" charset="0"/>
+              </a:rPr>
+              <a:t>вычеркиваем этот столбец</a:t>
+            </a:r>
+            <a:r>
+              <a:rPr lang="ru-RU" dirty="0">
+                <a:latin typeface="Calibri" panose="020F0502020204030204" pitchFamily="34" charset="0"/>
+                <a:ea typeface="Calibri" panose="020F0502020204030204" pitchFamily="34" charset="0"/>
+                <a:cs typeface="Calibri" panose="020F0502020204030204" pitchFamily="34" charset="0"/>
+              </a:rPr>
+              <a:t> таблицы.</a:t>
             </a:r>
             <a:br>
-              <a:rPr lang="ru-RU" sz="1600" dirty="0"/>
+              <a:rPr lang="ru-RU" sz="1600" dirty="0">
+                <a:latin typeface="Calibri" panose="020F0502020204030204" pitchFamily="34" charset="0"/>
+                <a:ea typeface="Calibri" panose="020F0502020204030204" pitchFamily="34" charset="0"/>
+                <a:cs typeface="Calibri" panose="020F0502020204030204" pitchFamily="34" charset="0"/>
+              </a:rPr>
             </a:br>
             <a:r>
-              <a:rPr lang="ru-RU" dirty="0"/>
+              <a:rPr lang="ru-RU" dirty="0">
+                <a:latin typeface="Calibri" panose="020F0502020204030204" pitchFamily="34" charset="0"/>
+                <a:ea typeface="Calibri" panose="020F0502020204030204" pitchFamily="34" charset="0"/>
+                <a:cs typeface="Calibri" panose="020F0502020204030204" pitchFamily="34" charset="0"/>
+              </a:rPr>
               <a:t>Продолжаем в том же духе до тех пор, пока все запасы не будут исчерпаны, а все потребности удовлетворены.</a:t>
             </a:r>
             <a:br>
-              <a:rPr lang="ru-RU" sz="1600" dirty="0"/>
+              <a:rPr lang="ru-RU" sz="1600" dirty="0">
+                <a:latin typeface="Calibri" panose="020F0502020204030204" pitchFamily="34" charset="0"/>
+                <a:ea typeface="Calibri" panose="020F0502020204030204" pitchFamily="34" charset="0"/>
+                <a:cs typeface="Calibri" panose="020F0502020204030204" pitchFamily="34" charset="0"/>
+              </a:rPr>
             </a:br>
             <a:endParaRPr sz="1600" dirty="0">
               <a:solidFill>
                 <a:schemeClr val="dk1"/>
               </a:solidFill>
-              <a:latin typeface="Calibri"/>
-              <a:ea typeface="Calibri"/>
-              <a:cs typeface="Calibri"/>
+              <a:latin typeface="Calibri" panose="020F0502020204030204" pitchFamily="34" charset="0"/>
+              <a:ea typeface="Calibri" panose="020F0502020204030204" pitchFamily="34" charset="0"/>
+              <a:cs typeface="Calibri" panose="020F0502020204030204" pitchFamily="34" charset="0"/>
               <a:sym typeface="Calibri"/>
             </a:endParaRPr>
           </a:p>
@@ -27881,6 +29815,36 @@
           </a:p>
         </p:txBody>
       </p:sp>
+      <p:pic>
+        <p:nvPicPr>
+          <p:cNvPr id="3" name="Рисунок 2">
+            <a:extLst>
+              <a:ext uri="{FF2B5EF4-FFF2-40B4-BE49-F238E27FC236}">
+                <a16:creationId xmlns:a16="http://schemas.microsoft.com/office/drawing/2014/main" id="{2A1EBF04-0F95-4F7B-B254-F0ED6C522739}"/>
+              </a:ext>
+            </a:extLst>
+          </p:cNvPr>
+          <p:cNvPicPr>
+            <a:picLocks noChangeAspect="1"/>
+          </p:cNvPicPr>
+          <p:nvPr/>
+        </p:nvPicPr>
+        <p:blipFill>
+          <a:blip r:embed="rId6"/>
+          <a:stretch>
+            <a:fillRect/>
+          </a:stretch>
+        </p:blipFill>
+        <p:spPr>
+          <a:xfrm>
+            <a:off x="4318218" y="1073675"/>
+            <a:ext cx="4523803" cy="5022669"/>
+          </a:xfrm>
+          <a:prstGeom prst="rect">
+            <a:avLst/>
+          </a:prstGeom>
+        </p:spPr>
+      </p:pic>
     </p:spTree>
     <p:extLst>
       <p:ext uri="{BB962C8B-B14F-4D97-AF65-F5344CB8AC3E}">
@@ -28139,8 +30103,8 @@
         </p:nvSpPr>
         <p:spPr>
           <a:xfrm>
-            <a:off x="1177009" y="1258298"/>
-            <a:ext cx="6908899" cy="2893059"/>
+            <a:off x="380175" y="1290934"/>
+            <a:ext cx="3754219" cy="5027506"/>
           </a:xfrm>
           <a:prstGeom prst="rect">
             <a:avLst/>
@@ -28157,7 +30121,11 @@
           <a:lstStyle/>
           <a:p>
             <a:r>
-              <a:rPr lang="ru-RU" dirty="0"/>
+              <a:rPr lang="ru-RU" dirty="0">
+                <a:latin typeface="Calibri" panose="020F0502020204030204" pitchFamily="34" charset="0"/>
+                <a:ea typeface="Calibri" panose="020F0502020204030204" pitchFamily="34" charset="0"/>
+                <a:cs typeface="Calibri" panose="020F0502020204030204" pitchFamily="34" charset="0"/>
+              </a:rPr>
               <a:t>Данный метод состоит в следующем:</a:t>
             </a:r>
           </a:p>
@@ -28167,8 +30135,44 @@
               <a:buChar char="•"/>
             </a:pPr>
             <a:r>
-              <a:rPr lang="ru-RU" dirty="0"/>
-              <a:t>на каждой итерации находят разности между двумя наименьшими тарифами во всех строках и столбцах, записывая их в дополнительные столбец и строку таблицы;</a:t>
+              <a:rPr lang="ru-RU" dirty="0">
+                <a:latin typeface="Calibri" panose="020F0502020204030204" pitchFamily="34" charset="0"/>
+                <a:ea typeface="Calibri" panose="020F0502020204030204" pitchFamily="34" charset="0"/>
+                <a:cs typeface="Calibri" panose="020F0502020204030204" pitchFamily="34" charset="0"/>
+              </a:rPr>
+              <a:t>на каждой итерации находят </a:t>
+            </a:r>
+            <a:r>
+              <a:rPr lang="ru-RU" b="1" dirty="0">
+                <a:latin typeface="Calibri" panose="020F0502020204030204" pitchFamily="34" charset="0"/>
+                <a:ea typeface="Calibri" panose="020F0502020204030204" pitchFamily="34" charset="0"/>
+                <a:cs typeface="Calibri" panose="020F0502020204030204" pitchFamily="34" charset="0"/>
+              </a:rPr>
+              <a:t>разности между двумя наименьшими тарифами </a:t>
+            </a:r>
+            <a:r>
+              <a:rPr lang="ru-RU" dirty="0">
+                <a:latin typeface="Calibri" panose="020F0502020204030204" pitchFamily="34" charset="0"/>
+                <a:ea typeface="Calibri" panose="020F0502020204030204" pitchFamily="34" charset="0"/>
+                <a:cs typeface="Calibri" panose="020F0502020204030204" pitchFamily="34" charset="0"/>
+              </a:rPr>
+              <a:t>во всех строках и столбцах, </a:t>
+            </a:r>
+            <a:r>
+              <a:rPr lang="ru-RU" b="1" dirty="0">
+                <a:latin typeface="Calibri" panose="020F0502020204030204" pitchFamily="34" charset="0"/>
+                <a:ea typeface="Calibri" panose="020F0502020204030204" pitchFamily="34" charset="0"/>
+                <a:cs typeface="Calibri" panose="020F0502020204030204" pitchFamily="34" charset="0"/>
+              </a:rPr>
+              <a:t>записывая их в дополнительные столбец и строку </a:t>
+            </a:r>
+            <a:r>
+              <a:rPr lang="ru-RU" dirty="0">
+                <a:latin typeface="Calibri" panose="020F0502020204030204" pitchFamily="34" charset="0"/>
+                <a:ea typeface="Calibri" panose="020F0502020204030204" pitchFamily="34" charset="0"/>
+                <a:cs typeface="Calibri" panose="020F0502020204030204" pitchFamily="34" charset="0"/>
+              </a:rPr>
+              <a:t>таблицы;</a:t>
             </a:r>
           </a:p>
           <a:p>
@@ -28177,54 +30181,174 @@
               <a:buChar char="•"/>
             </a:pPr>
             <a:r>
-              <a:rPr lang="ru-RU" dirty="0"/>
-              <a:t>находят максимальную разность и заполняют клетку с минимальной стоимостью в строке (столбце), которой соответствует данная разность.</a:t>
+              <a:rPr lang="ru-RU" dirty="0">
+                <a:latin typeface="Calibri" panose="020F0502020204030204" pitchFamily="34" charset="0"/>
+                <a:ea typeface="Calibri" panose="020F0502020204030204" pitchFamily="34" charset="0"/>
+                <a:cs typeface="Calibri" panose="020F0502020204030204" pitchFamily="34" charset="0"/>
+              </a:rPr>
+              <a:t>находят </a:t>
+            </a:r>
+            <a:r>
+              <a:rPr lang="ru-RU" b="1" dirty="0">
+                <a:latin typeface="Calibri" panose="020F0502020204030204" pitchFamily="34" charset="0"/>
+                <a:ea typeface="Calibri" panose="020F0502020204030204" pitchFamily="34" charset="0"/>
+                <a:cs typeface="Calibri" panose="020F0502020204030204" pitchFamily="34" charset="0"/>
+              </a:rPr>
+              <a:t>максимальную разность </a:t>
+            </a:r>
+            <a:r>
+              <a:rPr lang="ru-RU" dirty="0">
+                <a:latin typeface="Calibri" panose="020F0502020204030204" pitchFamily="34" charset="0"/>
+                <a:ea typeface="Calibri" panose="020F0502020204030204" pitchFamily="34" charset="0"/>
+                <a:cs typeface="Calibri" panose="020F0502020204030204" pitchFamily="34" charset="0"/>
+              </a:rPr>
+              <a:t>и заполняют клетку </a:t>
+            </a:r>
+            <a:r>
+              <a:rPr lang="ru-RU" b="1" dirty="0">
+                <a:latin typeface="Calibri" panose="020F0502020204030204" pitchFamily="34" charset="0"/>
+                <a:ea typeface="Calibri" panose="020F0502020204030204" pitchFamily="34" charset="0"/>
+                <a:cs typeface="Calibri" panose="020F0502020204030204" pitchFamily="34" charset="0"/>
+              </a:rPr>
+              <a:t>с минимальной стоимостью </a:t>
+            </a:r>
+            <a:r>
+              <a:rPr lang="ru-RU" dirty="0">
+                <a:latin typeface="Calibri" panose="020F0502020204030204" pitchFamily="34" charset="0"/>
+                <a:ea typeface="Calibri" panose="020F0502020204030204" pitchFamily="34" charset="0"/>
+                <a:cs typeface="Calibri" panose="020F0502020204030204" pitchFamily="34" charset="0"/>
+              </a:rPr>
+              <a:t>в строке (столбце), которой соответствует данная разность.</a:t>
             </a:r>
           </a:p>
           <a:p>
             <a:r>
-              <a:rPr lang="ru-RU" dirty="0"/>
-              <a:t>В строке или столбце, соответствующем выбранному штрафу, для заполнения выбирается не вычеркнутая клетка с минимальным тарифом. Если существует несколько одинаковых по величине максимальных штрафов в матрице, то в соответствующих строках или столбцах выбирается одна не вычеркнутая клетка с минимальным тарифом. Если клеток с минимальным тарифом также несколько, то из них выбирается клетка (</a:t>
+              <a:rPr lang="ru-RU" dirty="0">
+                <a:latin typeface="Calibri" panose="020F0502020204030204" pitchFamily="34" charset="0"/>
+                <a:ea typeface="Calibri" panose="020F0502020204030204" pitchFamily="34" charset="0"/>
+                <a:cs typeface="Calibri" panose="020F0502020204030204" pitchFamily="34" charset="0"/>
+              </a:rPr>
+              <a:t>В строке или столбце, соответствующем выбранному штрафу, для заполнения </a:t>
             </a:r>
             <a:r>
-              <a:rPr lang="ru-RU" dirty="0" err="1"/>
+              <a:rPr lang="ru-RU" b="1" dirty="0">
+                <a:latin typeface="Calibri" panose="020F0502020204030204" pitchFamily="34" charset="0"/>
+                <a:ea typeface="Calibri" panose="020F0502020204030204" pitchFamily="34" charset="0"/>
+                <a:cs typeface="Calibri" panose="020F0502020204030204" pitchFamily="34" charset="0"/>
+              </a:rPr>
+              <a:t>выбирается не вычеркнутая клетка с минимальным тарифом</a:t>
+            </a:r>
+            <a:r>
+              <a:rPr lang="ru-RU" dirty="0">
+                <a:latin typeface="Calibri" panose="020F0502020204030204" pitchFamily="34" charset="0"/>
+                <a:ea typeface="Calibri" panose="020F0502020204030204" pitchFamily="34" charset="0"/>
+                <a:cs typeface="Calibri" panose="020F0502020204030204" pitchFamily="34" charset="0"/>
+              </a:rPr>
+              <a:t>. Если существует несколько одинаковых по величине максимальных штрафов в матрице, то в соответствующих строках или столбцах выбирается одна не вычеркнутая клетка с минимальным тарифом. Если клеток с минимальным тарифом также </a:t>
+            </a:r>
+            <a:r>
+              <a:rPr lang="ru-RU" b="1" dirty="0">
+                <a:latin typeface="Calibri" panose="020F0502020204030204" pitchFamily="34" charset="0"/>
+                <a:ea typeface="Calibri" panose="020F0502020204030204" pitchFamily="34" charset="0"/>
+                <a:cs typeface="Calibri" panose="020F0502020204030204" pitchFamily="34" charset="0"/>
+              </a:rPr>
+              <a:t>несколько</a:t>
+            </a:r>
+            <a:r>
+              <a:rPr lang="ru-RU" dirty="0">
+                <a:latin typeface="Calibri" panose="020F0502020204030204" pitchFamily="34" charset="0"/>
+                <a:ea typeface="Calibri" panose="020F0502020204030204" pitchFamily="34" charset="0"/>
+                <a:cs typeface="Calibri" panose="020F0502020204030204" pitchFamily="34" charset="0"/>
+              </a:rPr>
+              <a:t>, то из них выбирается клетка (</a:t>
+            </a:r>
+            <a:r>
+              <a:rPr lang="ru-RU" dirty="0" err="1">
+                <a:latin typeface="Calibri" panose="020F0502020204030204" pitchFamily="34" charset="0"/>
+                <a:ea typeface="Calibri" panose="020F0502020204030204" pitchFamily="34" charset="0"/>
+                <a:cs typeface="Calibri" panose="020F0502020204030204" pitchFamily="34" charset="0"/>
+              </a:rPr>
               <a:t>i,j</a:t>
             </a:r>
             <a:r>
-              <a:rPr lang="ru-RU" dirty="0"/>
-              <a:t>) с максимальным суммарным штрафом, т.е. суммой штрафов по </a:t>
+              <a:rPr lang="ru-RU" dirty="0">
+                <a:latin typeface="Calibri" panose="020F0502020204030204" pitchFamily="34" charset="0"/>
+                <a:ea typeface="Calibri" panose="020F0502020204030204" pitchFamily="34" charset="0"/>
+                <a:cs typeface="Calibri" panose="020F0502020204030204" pitchFamily="34" charset="0"/>
+              </a:rPr>
+              <a:t>) </a:t>
             </a:r>
             <a:r>
-              <a:rPr lang="ru-RU" i="1" dirty="0"/>
+              <a:rPr lang="ru-RU" b="1" dirty="0">
+                <a:latin typeface="Calibri" panose="020F0502020204030204" pitchFamily="34" charset="0"/>
+                <a:ea typeface="Calibri" panose="020F0502020204030204" pitchFamily="34" charset="0"/>
+                <a:cs typeface="Calibri" panose="020F0502020204030204" pitchFamily="34" charset="0"/>
+              </a:rPr>
+              <a:t>с максимальным суммарным штрафом</a:t>
+            </a:r>
+            <a:r>
+              <a:rPr lang="ru-RU" dirty="0">
+                <a:latin typeface="Calibri" panose="020F0502020204030204" pitchFamily="34" charset="0"/>
+                <a:ea typeface="Calibri" panose="020F0502020204030204" pitchFamily="34" charset="0"/>
+                <a:cs typeface="Calibri" panose="020F0502020204030204" pitchFamily="34" charset="0"/>
+              </a:rPr>
+              <a:t>, т.е. суммой штрафов по </a:t>
+            </a:r>
+            <a:r>
+              <a:rPr lang="ru-RU" i="1" dirty="0">
+                <a:latin typeface="Calibri" panose="020F0502020204030204" pitchFamily="34" charset="0"/>
+                <a:ea typeface="Calibri" panose="020F0502020204030204" pitchFamily="34" charset="0"/>
+                <a:cs typeface="Calibri" panose="020F0502020204030204" pitchFamily="34" charset="0"/>
+              </a:rPr>
               <a:t>i</a:t>
             </a:r>
             <a:r>
-              <a:rPr lang="ru-RU" dirty="0"/>
+              <a:rPr lang="ru-RU" dirty="0">
+                <a:latin typeface="Calibri" panose="020F0502020204030204" pitchFamily="34" charset="0"/>
+                <a:ea typeface="Calibri" panose="020F0502020204030204" pitchFamily="34" charset="0"/>
+                <a:cs typeface="Calibri" panose="020F0502020204030204" pitchFamily="34" charset="0"/>
+              </a:rPr>
               <a:t>-й строке и </a:t>
             </a:r>
             <a:r>
-              <a:rPr lang="ru-RU" i="1" dirty="0"/>
+              <a:rPr lang="ru-RU" i="1" dirty="0">
+                <a:latin typeface="Calibri" panose="020F0502020204030204" pitchFamily="34" charset="0"/>
+                <a:ea typeface="Calibri" panose="020F0502020204030204" pitchFamily="34" charset="0"/>
+                <a:cs typeface="Calibri" panose="020F0502020204030204" pitchFamily="34" charset="0"/>
+              </a:rPr>
               <a:t>j</a:t>
             </a:r>
             <a:r>
-              <a:rPr lang="ru-RU" dirty="0"/>
+              <a:rPr lang="ru-RU" dirty="0">
+                <a:latin typeface="Calibri" panose="020F0502020204030204" pitchFamily="34" charset="0"/>
+                <a:ea typeface="Calibri" panose="020F0502020204030204" pitchFamily="34" charset="0"/>
+                <a:cs typeface="Calibri" panose="020F0502020204030204" pitchFamily="34" charset="0"/>
+              </a:rPr>
               <a:t>-</a:t>
             </a:r>
             <a:r>
-              <a:rPr lang="ru-RU" dirty="0" err="1"/>
+              <a:rPr lang="ru-RU" dirty="0" err="1">
+                <a:latin typeface="Calibri" panose="020F0502020204030204" pitchFamily="34" charset="0"/>
+                <a:ea typeface="Calibri" panose="020F0502020204030204" pitchFamily="34" charset="0"/>
+                <a:cs typeface="Calibri" panose="020F0502020204030204" pitchFamily="34" charset="0"/>
+              </a:rPr>
               <a:t>му</a:t>
             </a:r>
             <a:r>
-              <a:rPr lang="ru-RU" dirty="0"/>
+              <a:rPr lang="ru-RU" dirty="0">
+                <a:latin typeface="Calibri" panose="020F0502020204030204" pitchFamily="34" charset="0"/>
+                <a:ea typeface="Calibri" panose="020F0502020204030204" pitchFamily="34" charset="0"/>
+                <a:cs typeface="Calibri" panose="020F0502020204030204" pitchFamily="34" charset="0"/>
+              </a:rPr>
               <a:t> столбцу.</a:t>
             </a:r>
             <a:endParaRPr sz="1600" dirty="0">
               <a:solidFill>
                 <a:schemeClr val="dk1"/>
               </a:solidFill>
-              <a:latin typeface="Calibri"/>
-              <a:ea typeface="Calibri"/>
-              <a:cs typeface="Calibri"/>
+              <a:latin typeface="Calibri" panose="020F0502020204030204" pitchFamily="34" charset="0"/>
+              <a:ea typeface="Calibri" panose="020F0502020204030204" pitchFamily="34" charset="0"/>
+              <a:cs typeface="Calibri" panose="020F0502020204030204" pitchFamily="34" charset="0"/>
               <a:sym typeface="Calibri"/>
             </a:endParaRPr>
           </a:p>
@@ -28288,6 +30412,36 @@
           </a:p>
         </p:txBody>
       </p:sp>
+      <p:pic>
+        <p:nvPicPr>
+          <p:cNvPr id="3" name="Рисунок 2">
+            <a:extLst>
+              <a:ext uri="{FF2B5EF4-FFF2-40B4-BE49-F238E27FC236}">
+                <a16:creationId xmlns:a16="http://schemas.microsoft.com/office/drawing/2014/main" id="{DA0835FE-30A1-4785-BFB6-DF052EF13F51}"/>
+              </a:ext>
+            </a:extLst>
+          </p:cNvPr>
+          <p:cNvPicPr>
+            <a:picLocks noChangeAspect="1"/>
+          </p:cNvPicPr>
+          <p:nvPr/>
+        </p:nvPicPr>
+        <p:blipFill>
+          <a:blip r:embed="rId6"/>
+          <a:stretch>
+            <a:fillRect/>
+          </a:stretch>
+        </p:blipFill>
+        <p:spPr>
+          <a:xfrm>
+            <a:off x="4343400" y="1115050"/>
+            <a:ext cx="4275773" cy="5286240"/>
+          </a:xfrm>
+          <a:prstGeom prst="rect">
+            <a:avLst/>
+          </a:prstGeom>
+        </p:spPr>
+      </p:pic>
     </p:spTree>
     <p:extLst>
       <p:ext uri="{BB962C8B-B14F-4D97-AF65-F5344CB8AC3E}">
